--- a/generics.pptx
+++ b/generics.pptx
@@ -5,47 +5,46 @@
     <p:sldMasterId id="2147483648" r:id="rId1"/>
   </p:sldMasterIdLst>
   <p:notesMasterIdLst>
-    <p:notesMasterId r:id="rId4"/>
+    <p:notesMasterId r:id="rId25"/>
   </p:notesMasterIdLst>
   <p:sldIdLst>
-    <p:sldId id="256" r:id="rId3"/>
-    <p:sldId id="257" r:id="rId5"/>
-    <p:sldId id="258" r:id="rId6"/>
-    <p:sldId id="259" r:id="rId7"/>
-    <p:sldId id="260" r:id="rId8"/>
-    <p:sldId id="261" r:id="rId9"/>
-    <p:sldId id="262" r:id="rId10"/>
-    <p:sldId id="263" r:id="rId11"/>
-    <p:sldId id="264" r:id="rId12"/>
-    <p:sldId id="265" r:id="rId13"/>
-    <p:sldId id="266" r:id="rId14"/>
-    <p:sldId id="267" r:id="rId15"/>
-    <p:sldId id="268" r:id="rId16"/>
-    <p:sldId id="269" r:id="rId17"/>
-    <p:sldId id="270" r:id="rId18"/>
-    <p:sldId id="271" r:id="rId19"/>
-    <p:sldId id="272" r:id="rId20"/>
-    <p:sldId id="273" r:id="rId21"/>
-    <p:sldId id="274" r:id="rId22"/>
-    <p:sldId id="275" r:id="rId23"/>
-    <p:sldId id="276" r:id="rId24"/>
-    <p:sldId id="277" r:id="rId25"/>
-    <p:sldId id="278" r:id="rId26"/>
-    <p:sldId id="279" r:id="rId27"/>
+    <p:sldId id="256" r:id="rId2"/>
+    <p:sldId id="257" r:id="rId3"/>
+    <p:sldId id="258" r:id="rId4"/>
+    <p:sldId id="259" r:id="rId5"/>
+    <p:sldId id="260" r:id="rId6"/>
+    <p:sldId id="261" r:id="rId7"/>
+    <p:sldId id="262" r:id="rId8"/>
+    <p:sldId id="263" r:id="rId9"/>
+    <p:sldId id="264" r:id="rId10"/>
+    <p:sldId id="265" r:id="rId11"/>
+    <p:sldId id="266" r:id="rId12"/>
+    <p:sldId id="267" r:id="rId13"/>
+    <p:sldId id="268" r:id="rId14"/>
+    <p:sldId id="270" r:id="rId15"/>
+    <p:sldId id="271" r:id="rId16"/>
+    <p:sldId id="272" r:id="rId17"/>
+    <p:sldId id="273" r:id="rId18"/>
+    <p:sldId id="274" r:id="rId19"/>
+    <p:sldId id="275" r:id="rId20"/>
+    <p:sldId id="276" r:id="rId21"/>
+    <p:sldId id="277" r:id="rId22"/>
+    <p:sldId id="278" r:id="rId23"/>
+    <p:sldId id="279" r:id="rId24"/>
   </p:sldIdLst>
   <p:sldSz cx="12192000" cy="6858000"/>
   <p:notesSz cx="6858000" cy="9144000"/>
   <p:embeddedFontLst>
     <p:embeddedFont>
-      <p:font typeface="Calibri" panose="020F0502020204030204"/>
-      <p:regular r:id="rId31"/>
-      <p:bold r:id="rId32"/>
-      <p:italic r:id="rId33"/>
-      <p:boldItalic r:id="rId34"/>
+      <p:font typeface="Calibri" panose="020F0502020204030204" pitchFamily="34" charset="0"/>
+      <p:regular r:id="rId26"/>
+      <p:bold r:id="rId27"/>
+      <p:italic r:id="rId28"/>
+      <p:boldItalic r:id="rId29"/>
     </p:embeddedFont>
     <p:embeddedFont>
-      <p:font typeface="Gill Sans" panose="020B0502020104020203"/>
-      <p:regular r:id="rId35"/>
+      <p:font typeface="Gill Sans" panose="020B0604020202020204" charset="0"/>
+      <p:regular r:id="rId30"/>
     </p:embeddedFont>
   </p:embeddedFontLst>
   <p:defaultTextStyle>
@@ -290,7 +289,7 @@
     </p:bg>
     <p:spTree>
       <p:nvGrpSpPr>
-        <p:cNvPr id="2" name="Shape 2"/>
+        <p:cNvPr id="1" name="Shape 2"/>
         <p:cNvGrpSpPr/>
         <p:nvPr/>
       </p:nvGrpSpPr>
@@ -305,7 +304,9 @@
       <p:sp>
         <p:nvSpPr>
           <p:cNvPr id="3" name="Google Shape;3;n"/>
-          <p:cNvSpPr/>
+          <p:cNvSpPr>
+            <a:spLocks noGrp="1" noRot="1" noChangeAspect="1"/>
+          </p:cNvSpPr>
           <p:nvPr>
             <p:ph type="sldImg" idx="2"/>
           </p:nvPr>
@@ -354,7 +355,9 @@
       <p:sp>
         <p:nvSpPr>
           <p:cNvPr id="4" name="Google Shape;4;n"/>
-          <p:cNvSpPr txBox="1"/>
+          <p:cNvSpPr txBox="1">
+            <a:spLocks noGrp="1"/>
+          </p:cNvSpPr>
           <p:nvPr>
             <p:ph type="body" idx="1"/>
           </p:nvPr>
@@ -477,7 +480,9 @@
               <a:defRPr sz="1100"/>
             </a:lvl9pPr>
           </a:lstStyle>
-          <a:p/>
+          <a:p>
+            <a:endParaRPr/>
+          </a:p>
         </p:txBody>
       </p:sp>
     </p:spTree>
@@ -716,11 +721,11 @@
 </file>
 
 <file path=ppt/notesSlides/notesSlide1.xml><?xml version="1.0" encoding="utf-8"?>
-<p:notes xmlns:a="http://schemas.openxmlformats.org/drawingml/2006/main" xmlns:r="http://schemas.openxmlformats.org/officeDocument/2006/relationships" xmlns:p="http://schemas.openxmlformats.org/presentationml/2006/main" showMasterPhAnim="0" showMasterSp="0">
+<p:notes xmlns:a="http://schemas.openxmlformats.org/drawingml/2006/main" xmlns:r="http://schemas.openxmlformats.org/officeDocument/2006/relationships" xmlns:p="http://schemas.openxmlformats.org/presentationml/2006/main" showMasterSp="0" showMasterPhAnim="0">
   <p:cSld>
     <p:spTree>
       <p:nvGrpSpPr>
-        <p:cNvPr id="98" name="Shape 98"/>
+        <p:cNvPr id="1" name="Shape 98"/>
         <p:cNvGrpSpPr/>
         <p:nvPr/>
       </p:nvGrpSpPr>
@@ -735,7 +740,9 @@
       <p:sp>
         <p:nvSpPr>
           <p:cNvPr id="99" name="Google Shape;99;p1:notes"/>
-          <p:cNvSpPr txBox="1"/>
+          <p:cNvSpPr txBox="1">
+            <a:spLocks noGrp="1"/>
+          </p:cNvSpPr>
           <p:nvPr>
             <p:ph type="body" idx="1"/>
           </p:nvPr>
@@ -764,13 +771,16 @@
               </a:spcAft>
               <a:buNone/>
             </a:pPr>
+            <a:endParaRPr/>
           </a:p>
         </p:txBody>
       </p:sp>
       <p:sp>
         <p:nvSpPr>
           <p:cNvPr id="100" name="Google Shape;100;p1:notes"/>
-          <p:cNvSpPr/>
+          <p:cNvSpPr>
+            <a:spLocks noGrp="1" noRot="1" noChangeAspect="1"/>
+          </p:cNvSpPr>
           <p:nvPr>
             <p:ph type="sldImg" idx="2"/>
           </p:nvPr>
@@ -815,11 +825,11 @@
 </file>
 
 <file path=ppt/notesSlides/notesSlide10.xml><?xml version="1.0" encoding="utf-8"?>
-<p:notes xmlns:a="http://schemas.openxmlformats.org/drawingml/2006/main" xmlns:r="http://schemas.openxmlformats.org/officeDocument/2006/relationships" xmlns:p="http://schemas.openxmlformats.org/presentationml/2006/main" showMasterPhAnim="0" showMasterSp="0">
+<p:notes xmlns:a="http://schemas.openxmlformats.org/drawingml/2006/main" xmlns:r="http://schemas.openxmlformats.org/officeDocument/2006/relationships" xmlns:p="http://schemas.openxmlformats.org/presentationml/2006/main" showMasterSp="0" showMasterPhAnim="0">
   <p:cSld>
     <p:spTree>
       <p:nvGrpSpPr>
-        <p:cNvPr id="154" name="Shape 154"/>
+        <p:cNvPr id="1" name="Shape 154"/>
         <p:cNvGrpSpPr/>
         <p:nvPr/>
       </p:nvGrpSpPr>
@@ -834,7 +844,9 @@
       <p:sp>
         <p:nvSpPr>
           <p:cNvPr id="155" name="Google Shape;155;p10:notes"/>
-          <p:cNvSpPr txBox="1"/>
+          <p:cNvSpPr txBox="1">
+            <a:spLocks noGrp="1"/>
+          </p:cNvSpPr>
           <p:nvPr>
             <p:ph type="body" idx="1"/>
           </p:nvPr>
@@ -863,13 +875,16 @@
               </a:spcAft>
               <a:buNone/>
             </a:pPr>
+            <a:endParaRPr/>
           </a:p>
         </p:txBody>
       </p:sp>
       <p:sp>
         <p:nvSpPr>
           <p:cNvPr id="156" name="Google Shape;156;p10:notes"/>
-          <p:cNvSpPr/>
+          <p:cNvSpPr>
+            <a:spLocks noGrp="1" noRot="1" noChangeAspect="1"/>
+          </p:cNvSpPr>
           <p:nvPr>
             <p:ph type="sldImg" idx="2"/>
           </p:nvPr>
@@ -914,11 +929,11 @@
 </file>
 
 <file path=ppt/notesSlides/notesSlide11.xml><?xml version="1.0" encoding="utf-8"?>
-<p:notes xmlns:a="http://schemas.openxmlformats.org/drawingml/2006/main" xmlns:r="http://schemas.openxmlformats.org/officeDocument/2006/relationships" xmlns:p="http://schemas.openxmlformats.org/presentationml/2006/main" showMasterPhAnim="0" showMasterSp="0">
+<p:notes xmlns:a="http://schemas.openxmlformats.org/drawingml/2006/main" xmlns:r="http://schemas.openxmlformats.org/officeDocument/2006/relationships" xmlns:p="http://schemas.openxmlformats.org/presentationml/2006/main" showMasterSp="0" showMasterPhAnim="0">
   <p:cSld>
     <p:spTree>
       <p:nvGrpSpPr>
-        <p:cNvPr id="160" name="Shape 160"/>
+        <p:cNvPr id="1" name="Shape 160"/>
         <p:cNvGrpSpPr/>
         <p:nvPr/>
       </p:nvGrpSpPr>
@@ -933,7 +948,9 @@
       <p:sp>
         <p:nvSpPr>
           <p:cNvPr id="161" name="Google Shape;161;p11:notes"/>
-          <p:cNvSpPr txBox="1"/>
+          <p:cNvSpPr txBox="1">
+            <a:spLocks noGrp="1"/>
+          </p:cNvSpPr>
           <p:nvPr>
             <p:ph type="body" idx="1"/>
           </p:nvPr>
@@ -962,13 +979,16 @@
               </a:spcAft>
               <a:buNone/>
             </a:pPr>
+            <a:endParaRPr/>
           </a:p>
         </p:txBody>
       </p:sp>
       <p:sp>
         <p:nvSpPr>
           <p:cNvPr id="162" name="Google Shape;162;p11:notes"/>
-          <p:cNvSpPr/>
+          <p:cNvSpPr>
+            <a:spLocks noGrp="1" noRot="1" noChangeAspect="1"/>
+          </p:cNvSpPr>
           <p:nvPr>
             <p:ph type="sldImg" idx="2"/>
           </p:nvPr>
@@ -1013,11 +1033,11 @@
 </file>
 
 <file path=ppt/notesSlides/notesSlide12.xml><?xml version="1.0" encoding="utf-8"?>
-<p:notes xmlns:a="http://schemas.openxmlformats.org/drawingml/2006/main" xmlns:r="http://schemas.openxmlformats.org/officeDocument/2006/relationships" xmlns:p="http://schemas.openxmlformats.org/presentationml/2006/main" showMasterPhAnim="0" showMasterSp="0">
+<p:notes xmlns:a="http://schemas.openxmlformats.org/drawingml/2006/main" xmlns:r="http://schemas.openxmlformats.org/officeDocument/2006/relationships" xmlns:p="http://schemas.openxmlformats.org/presentationml/2006/main" showMasterSp="0" showMasterPhAnim="0">
   <p:cSld>
     <p:spTree>
       <p:nvGrpSpPr>
-        <p:cNvPr id="166" name="Shape 166"/>
+        <p:cNvPr id="1" name="Shape 166"/>
         <p:cNvGrpSpPr/>
         <p:nvPr/>
       </p:nvGrpSpPr>
@@ -1032,7 +1052,9 @@
       <p:sp>
         <p:nvSpPr>
           <p:cNvPr id="167" name="Google Shape;167;p12:notes"/>
-          <p:cNvSpPr txBox="1"/>
+          <p:cNvSpPr txBox="1">
+            <a:spLocks noGrp="1"/>
+          </p:cNvSpPr>
           <p:nvPr>
             <p:ph type="body" idx="1"/>
           </p:nvPr>
@@ -1061,13 +1083,16 @@
               </a:spcAft>
               <a:buNone/>
             </a:pPr>
+            <a:endParaRPr/>
           </a:p>
         </p:txBody>
       </p:sp>
       <p:sp>
         <p:nvSpPr>
           <p:cNvPr id="168" name="Google Shape;168;p12:notes"/>
-          <p:cNvSpPr/>
+          <p:cNvSpPr>
+            <a:spLocks noGrp="1" noRot="1" noChangeAspect="1"/>
+          </p:cNvSpPr>
           <p:nvPr>
             <p:ph type="sldImg" idx="2"/>
           </p:nvPr>
@@ -1112,11 +1137,11 @@
 </file>
 
 <file path=ppt/notesSlides/notesSlide13.xml><?xml version="1.0" encoding="utf-8"?>
-<p:notes xmlns:a="http://schemas.openxmlformats.org/drawingml/2006/main" xmlns:r="http://schemas.openxmlformats.org/officeDocument/2006/relationships" xmlns:p="http://schemas.openxmlformats.org/presentationml/2006/main" showMasterPhAnim="0" showMasterSp="0">
+<p:notes xmlns:a="http://schemas.openxmlformats.org/drawingml/2006/main" xmlns:r="http://schemas.openxmlformats.org/officeDocument/2006/relationships" xmlns:p="http://schemas.openxmlformats.org/presentationml/2006/main" showMasterSp="0" showMasterPhAnim="0">
   <p:cSld>
     <p:spTree>
       <p:nvGrpSpPr>
-        <p:cNvPr id="172" name="Shape 172"/>
+        <p:cNvPr id="1" name="Shape 172"/>
         <p:cNvGrpSpPr/>
         <p:nvPr/>
       </p:nvGrpSpPr>
@@ -1131,7 +1156,9 @@
       <p:sp>
         <p:nvSpPr>
           <p:cNvPr id="173" name="Google Shape;173;p13:notes"/>
-          <p:cNvSpPr txBox="1"/>
+          <p:cNvSpPr txBox="1">
+            <a:spLocks noGrp="1"/>
+          </p:cNvSpPr>
           <p:nvPr>
             <p:ph type="body" idx="1"/>
           </p:nvPr>
@@ -1160,13 +1187,16 @@
               </a:spcAft>
               <a:buNone/>
             </a:pPr>
+            <a:endParaRPr/>
           </a:p>
         </p:txBody>
       </p:sp>
       <p:sp>
         <p:nvSpPr>
           <p:cNvPr id="174" name="Google Shape;174;p13:notes"/>
-          <p:cNvSpPr/>
+          <p:cNvSpPr>
+            <a:spLocks noGrp="1" noRot="1" noChangeAspect="1"/>
+          </p:cNvSpPr>
           <p:nvPr>
             <p:ph type="sldImg" idx="2"/>
           </p:nvPr>
@@ -1211,11 +1241,11 @@
 </file>
 
 <file path=ppt/notesSlides/notesSlide14.xml><?xml version="1.0" encoding="utf-8"?>
-<p:notes xmlns:a="http://schemas.openxmlformats.org/drawingml/2006/main" xmlns:r="http://schemas.openxmlformats.org/officeDocument/2006/relationships" xmlns:p="http://schemas.openxmlformats.org/presentationml/2006/main" showMasterPhAnim="0" showMasterSp="0">
+<p:notes xmlns:a="http://schemas.openxmlformats.org/drawingml/2006/main" xmlns:r="http://schemas.openxmlformats.org/officeDocument/2006/relationships" xmlns:p="http://schemas.openxmlformats.org/presentationml/2006/main" showMasterSp="0" showMasterPhAnim="0">
   <p:cSld>
     <p:spTree>
       <p:nvGrpSpPr>
-        <p:cNvPr id="178" name="Shape 178"/>
+        <p:cNvPr id="1" name="Shape 186"/>
         <p:cNvGrpSpPr/>
         <p:nvPr/>
       </p:nvGrpSpPr>
@@ -1229,8 +1259,10 @@
       </p:grpSpPr>
       <p:sp>
         <p:nvSpPr>
-          <p:cNvPr id="179" name="Google Shape;179;p14:notes"/>
-          <p:cNvSpPr txBox="1"/>
+          <p:cNvPr id="187" name="Google Shape;187;p15:notes"/>
+          <p:cNvSpPr txBox="1">
+            <a:spLocks noGrp="1"/>
+          </p:cNvSpPr>
           <p:nvPr>
             <p:ph type="body" idx="1"/>
           </p:nvPr>
@@ -1259,13 +1291,16 @@
               </a:spcAft>
               <a:buNone/>
             </a:pPr>
+            <a:endParaRPr/>
           </a:p>
         </p:txBody>
       </p:sp>
       <p:sp>
         <p:nvSpPr>
-          <p:cNvPr id="180" name="Google Shape;180;p14:notes"/>
-          <p:cNvSpPr/>
+          <p:cNvPr id="188" name="Google Shape;188;p15:notes"/>
+          <p:cNvSpPr>
+            <a:spLocks noGrp="1" noRot="1" noChangeAspect="1"/>
+          </p:cNvSpPr>
           <p:nvPr>
             <p:ph type="sldImg" idx="2"/>
           </p:nvPr>
@@ -1310,11 +1345,11 @@
 </file>
 
 <file path=ppt/notesSlides/notesSlide15.xml><?xml version="1.0" encoding="utf-8"?>
-<p:notes xmlns:a="http://schemas.openxmlformats.org/drawingml/2006/main" xmlns:r="http://schemas.openxmlformats.org/officeDocument/2006/relationships" xmlns:p="http://schemas.openxmlformats.org/presentationml/2006/main" showMasterPhAnim="0" showMasterSp="0">
+<p:notes xmlns:a="http://schemas.openxmlformats.org/drawingml/2006/main" xmlns:r="http://schemas.openxmlformats.org/officeDocument/2006/relationships" xmlns:p="http://schemas.openxmlformats.org/presentationml/2006/main" showMasterSp="0" showMasterPhAnim="0">
   <p:cSld>
     <p:spTree>
       <p:nvGrpSpPr>
-        <p:cNvPr id="186" name="Shape 186"/>
+        <p:cNvPr id="1" name="Shape 192"/>
         <p:cNvGrpSpPr/>
         <p:nvPr/>
       </p:nvGrpSpPr>
@@ -1328,8 +1363,10 @@
       </p:grpSpPr>
       <p:sp>
         <p:nvSpPr>
-          <p:cNvPr id="187" name="Google Shape;187;p15:notes"/>
-          <p:cNvSpPr txBox="1"/>
+          <p:cNvPr id="193" name="Google Shape;193;p16:notes"/>
+          <p:cNvSpPr txBox="1">
+            <a:spLocks noGrp="1"/>
+          </p:cNvSpPr>
           <p:nvPr>
             <p:ph type="body" idx="1"/>
           </p:nvPr>
@@ -1358,13 +1395,16 @@
               </a:spcAft>
               <a:buNone/>
             </a:pPr>
+            <a:endParaRPr/>
           </a:p>
         </p:txBody>
       </p:sp>
       <p:sp>
         <p:nvSpPr>
-          <p:cNvPr id="188" name="Google Shape;188;p15:notes"/>
-          <p:cNvSpPr/>
+          <p:cNvPr id="194" name="Google Shape;194;p16:notes"/>
+          <p:cNvSpPr>
+            <a:spLocks noGrp="1" noRot="1" noChangeAspect="1"/>
+          </p:cNvSpPr>
           <p:nvPr>
             <p:ph type="sldImg" idx="2"/>
           </p:nvPr>
@@ -1409,11 +1449,11 @@
 </file>
 
 <file path=ppt/notesSlides/notesSlide16.xml><?xml version="1.0" encoding="utf-8"?>
-<p:notes xmlns:a="http://schemas.openxmlformats.org/drawingml/2006/main" xmlns:r="http://schemas.openxmlformats.org/officeDocument/2006/relationships" xmlns:p="http://schemas.openxmlformats.org/presentationml/2006/main" showMasterPhAnim="0" showMasterSp="0">
+<p:notes xmlns:a="http://schemas.openxmlformats.org/drawingml/2006/main" xmlns:r="http://schemas.openxmlformats.org/officeDocument/2006/relationships" xmlns:p="http://schemas.openxmlformats.org/presentationml/2006/main" showMasterSp="0" showMasterPhAnim="0">
   <p:cSld>
     <p:spTree>
       <p:nvGrpSpPr>
-        <p:cNvPr id="192" name="Shape 192"/>
+        <p:cNvPr id="1" name="Shape 199"/>
         <p:cNvGrpSpPr/>
         <p:nvPr/>
       </p:nvGrpSpPr>
@@ -1427,8 +1467,10 @@
       </p:grpSpPr>
       <p:sp>
         <p:nvSpPr>
-          <p:cNvPr id="193" name="Google Shape;193;p16:notes"/>
-          <p:cNvSpPr txBox="1"/>
+          <p:cNvPr id="200" name="Google Shape;200;p17:notes"/>
+          <p:cNvSpPr txBox="1">
+            <a:spLocks noGrp="1"/>
+          </p:cNvSpPr>
           <p:nvPr>
             <p:ph type="body" idx="1"/>
           </p:nvPr>
@@ -1457,13 +1499,16 @@
               </a:spcAft>
               <a:buNone/>
             </a:pPr>
+            <a:endParaRPr/>
           </a:p>
         </p:txBody>
       </p:sp>
       <p:sp>
         <p:nvSpPr>
-          <p:cNvPr id="194" name="Google Shape;194;p16:notes"/>
-          <p:cNvSpPr/>
+          <p:cNvPr id="201" name="Google Shape;201;p17:notes"/>
+          <p:cNvSpPr>
+            <a:spLocks noGrp="1" noRot="1" noChangeAspect="1"/>
+          </p:cNvSpPr>
           <p:nvPr>
             <p:ph type="sldImg" idx="2"/>
           </p:nvPr>
@@ -1508,11 +1553,11 @@
 </file>
 
 <file path=ppt/notesSlides/notesSlide17.xml><?xml version="1.0" encoding="utf-8"?>
-<p:notes xmlns:a="http://schemas.openxmlformats.org/drawingml/2006/main" xmlns:r="http://schemas.openxmlformats.org/officeDocument/2006/relationships" xmlns:p="http://schemas.openxmlformats.org/presentationml/2006/main" showMasterPhAnim="0" showMasterSp="0">
+<p:notes xmlns:a="http://schemas.openxmlformats.org/drawingml/2006/main" xmlns:r="http://schemas.openxmlformats.org/officeDocument/2006/relationships" xmlns:p="http://schemas.openxmlformats.org/presentationml/2006/main" showMasterSp="0" showMasterPhAnim="0">
   <p:cSld>
     <p:spTree>
       <p:nvGrpSpPr>
-        <p:cNvPr id="199" name="Shape 199"/>
+        <p:cNvPr id="1" name="Shape 205"/>
         <p:cNvGrpSpPr/>
         <p:nvPr/>
       </p:nvGrpSpPr>
@@ -1526,8 +1571,10 @@
       </p:grpSpPr>
       <p:sp>
         <p:nvSpPr>
-          <p:cNvPr id="200" name="Google Shape;200;p17:notes"/>
-          <p:cNvSpPr txBox="1"/>
+          <p:cNvPr id="206" name="Google Shape;206;p18:notes"/>
+          <p:cNvSpPr txBox="1">
+            <a:spLocks noGrp="1"/>
+          </p:cNvSpPr>
           <p:nvPr>
             <p:ph type="body" idx="1"/>
           </p:nvPr>
@@ -1556,13 +1603,16 @@
               </a:spcAft>
               <a:buNone/>
             </a:pPr>
+            <a:endParaRPr/>
           </a:p>
         </p:txBody>
       </p:sp>
       <p:sp>
         <p:nvSpPr>
-          <p:cNvPr id="201" name="Google Shape;201;p17:notes"/>
-          <p:cNvSpPr/>
+          <p:cNvPr id="207" name="Google Shape;207;p18:notes"/>
+          <p:cNvSpPr>
+            <a:spLocks noGrp="1" noRot="1" noChangeAspect="1"/>
+          </p:cNvSpPr>
           <p:nvPr>
             <p:ph type="sldImg" idx="2"/>
           </p:nvPr>
@@ -1607,11 +1657,11 @@
 </file>
 
 <file path=ppt/notesSlides/notesSlide18.xml><?xml version="1.0" encoding="utf-8"?>
-<p:notes xmlns:a="http://schemas.openxmlformats.org/drawingml/2006/main" xmlns:r="http://schemas.openxmlformats.org/officeDocument/2006/relationships" xmlns:p="http://schemas.openxmlformats.org/presentationml/2006/main" showMasterPhAnim="0" showMasterSp="0">
+<p:notes xmlns:a="http://schemas.openxmlformats.org/drawingml/2006/main" xmlns:r="http://schemas.openxmlformats.org/officeDocument/2006/relationships" xmlns:p="http://schemas.openxmlformats.org/presentationml/2006/main" showMasterSp="0" showMasterPhAnim="0">
   <p:cSld>
     <p:spTree>
       <p:nvGrpSpPr>
-        <p:cNvPr id="205" name="Shape 205"/>
+        <p:cNvPr id="1" name="Shape 211"/>
         <p:cNvGrpSpPr/>
         <p:nvPr/>
       </p:nvGrpSpPr>
@@ -1625,8 +1675,10 @@
       </p:grpSpPr>
       <p:sp>
         <p:nvSpPr>
-          <p:cNvPr id="206" name="Google Shape;206;p18:notes"/>
-          <p:cNvSpPr txBox="1"/>
+          <p:cNvPr id="212" name="Google Shape;212;p19:notes"/>
+          <p:cNvSpPr txBox="1">
+            <a:spLocks noGrp="1"/>
+          </p:cNvSpPr>
           <p:nvPr>
             <p:ph type="body" idx="1"/>
           </p:nvPr>
@@ -1655,13 +1707,16 @@
               </a:spcAft>
               <a:buNone/>
             </a:pPr>
+            <a:endParaRPr/>
           </a:p>
         </p:txBody>
       </p:sp>
       <p:sp>
         <p:nvSpPr>
-          <p:cNvPr id="207" name="Google Shape;207;p18:notes"/>
-          <p:cNvSpPr/>
+          <p:cNvPr id="213" name="Google Shape;213;p19:notes"/>
+          <p:cNvSpPr>
+            <a:spLocks noGrp="1" noRot="1" noChangeAspect="1"/>
+          </p:cNvSpPr>
           <p:nvPr>
             <p:ph type="sldImg" idx="2"/>
           </p:nvPr>
@@ -1706,11 +1761,11 @@
 </file>
 
 <file path=ppt/notesSlides/notesSlide19.xml><?xml version="1.0" encoding="utf-8"?>
-<p:notes xmlns:a="http://schemas.openxmlformats.org/drawingml/2006/main" xmlns:r="http://schemas.openxmlformats.org/officeDocument/2006/relationships" xmlns:p="http://schemas.openxmlformats.org/presentationml/2006/main" showMasterPhAnim="0" showMasterSp="0">
+<p:notes xmlns:a="http://schemas.openxmlformats.org/drawingml/2006/main" xmlns:r="http://schemas.openxmlformats.org/officeDocument/2006/relationships" xmlns:p="http://schemas.openxmlformats.org/presentationml/2006/main" showMasterSp="0" showMasterPhAnim="0">
   <p:cSld>
     <p:spTree>
       <p:nvGrpSpPr>
-        <p:cNvPr id="211" name="Shape 211"/>
+        <p:cNvPr id="1" name="Shape 226"/>
         <p:cNvGrpSpPr/>
         <p:nvPr/>
       </p:nvGrpSpPr>
@@ -1724,8 +1779,10 @@
       </p:grpSpPr>
       <p:sp>
         <p:nvSpPr>
-          <p:cNvPr id="212" name="Google Shape;212;p19:notes"/>
-          <p:cNvSpPr txBox="1"/>
+          <p:cNvPr id="227" name="Google Shape;227;p20:notes"/>
+          <p:cNvSpPr txBox="1">
+            <a:spLocks noGrp="1"/>
+          </p:cNvSpPr>
           <p:nvPr>
             <p:ph type="body" idx="1"/>
           </p:nvPr>
@@ -1754,13 +1811,16 @@
               </a:spcAft>
               <a:buNone/>
             </a:pPr>
+            <a:endParaRPr/>
           </a:p>
         </p:txBody>
       </p:sp>
       <p:sp>
         <p:nvSpPr>
-          <p:cNvPr id="213" name="Google Shape;213;p19:notes"/>
-          <p:cNvSpPr/>
+          <p:cNvPr id="228" name="Google Shape;228;p20:notes"/>
+          <p:cNvSpPr>
+            <a:spLocks noGrp="1" noRot="1" noChangeAspect="1"/>
+          </p:cNvSpPr>
           <p:nvPr>
             <p:ph type="sldImg" idx="2"/>
           </p:nvPr>
@@ -1805,11 +1865,11 @@
 </file>
 
 <file path=ppt/notesSlides/notesSlide2.xml><?xml version="1.0" encoding="utf-8"?>
-<p:notes xmlns:a="http://schemas.openxmlformats.org/drawingml/2006/main" xmlns:r="http://schemas.openxmlformats.org/officeDocument/2006/relationships" xmlns:p="http://schemas.openxmlformats.org/presentationml/2006/main" showMasterPhAnim="0" showMasterSp="0">
+<p:notes xmlns:a="http://schemas.openxmlformats.org/drawingml/2006/main" xmlns:r="http://schemas.openxmlformats.org/officeDocument/2006/relationships" xmlns:p="http://schemas.openxmlformats.org/presentationml/2006/main" showMasterSp="0" showMasterPhAnim="0">
   <p:cSld>
     <p:spTree>
       <p:nvGrpSpPr>
-        <p:cNvPr id="104" name="Shape 104"/>
+        <p:cNvPr id="1" name="Shape 104"/>
         <p:cNvGrpSpPr/>
         <p:nvPr/>
       </p:nvGrpSpPr>
@@ -1824,7 +1884,9 @@
       <p:sp>
         <p:nvSpPr>
           <p:cNvPr id="105" name="Google Shape;105;p2:notes"/>
-          <p:cNvSpPr txBox="1"/>
+          <p:cNvSpPr txBox="1">
+            <a:spLocks noGrp="1"/>
+          </p:cNvSpPr>
           <p:nvPr>
             <p:ph type="body" idx="1"/>
           </p:nvPr>
@@ -1853,13 +1915,16 @@
               </a:spcAft>
               <a:buNone/>
             </a:pPr>
+            <a:endParaRPr/>
           </a:p>
         </p:txBody>
       </p:sp>
       <p:sp>
         <p:nvSpPr>
           <p:cNvPr id="106" name="Google Shape;106;p2:notes"/>
-          <p:cNvSpPr/>
+          <p:cNvSpPr>
+            <a:spLocks noGrp="1" noRot="1" noChangeAspect="1"/>
+          </p:cNvSpPr>
           <p:nvPr>
             <p:ph type="sldImg" idx="2"/>
           </p:nvPr>
@@ -1904,11 +1969,11 @@
 </file>
 
 <file path=ppt/notesSlides/notesSlide20.xml><?xml version="1.0" encoding="utf-8"?>
-<p:notes xmlns:a="http://schemas.openxmlformats.org/drawingml/2006/main" xmlns:r="http://schemas.openxmlformats.org/officeDocument/2006/relationships" xmlns:p="http://schemas.openxmlformats.org/presentationml/2006/main" showMasterPhAnim="0" showMasterSp="0">
+<p:notes xmlns:a="http://schemas.openxmlformats.org/drawingml/2006/main" xmlns:r="http://schemas.openxmlformats.org/officeDocument/2006/relationships" xmlns:p="http://schemas.openxmlformats.org/presentationml/2006/main" showMasterSp="0" showMasterPhAnim="0">
   <p:cSld>
     <p:spTree>
       <p:nvGrpSpPr>
-        <p:cNvPr id="226" name="Shape 226"/>
+        <p:cNvPr id="1" name="Shape 232"/>
         <p:cNvGrpSpPr/>
         <p:nvPr/>
       </p:nvGrpSpPr>
@@ -1922,8 +1987,10 @@
       </p:grpSpPr>
       <p:sp>
         <p:nvSpPr>
-          <p:cNvPr id="227" name="Google Shape;227;p20:notes"/>
-          <p:cNvSpPr txBox="1"/>
+          <p:cNvPr id="233" name="Google Shape;233;p21:notes"/>
+          <p:cNvSpPr txBox="1">
+            <a:spLocks noGrp="1"/>
+          </p:cNvSpPr>
           <p:nvPr>
             <p:ph type="body" idx="1"/>
           </p:nvPr>
@@ -1952,13 +2019,16 @@
               </a:spcAft>
               <a:buNone/>
             </a:pPr>
+            <a:endParaRPr/>
           </a:p>
         </p:txBody>
       </p:sp>
       <p:sp>
         <p:nvSpPr>
-          <p:cNvPr id="228" name="Google Shape;228;p20:notes"/>
-          <p:cNvSpPr/>
+          <p:cNvPr id="234" name="Google Shape;234;p21:notes"/>
+          <p:cNvSpPr>
+            <a:spLocks noGrp="1" noRot="1" noChangeAspect="1"/>
+          </p:cNvSpPr>
           <p:nvPr>
             <p:ph type="sldImg" idx="2"/>
           </p:nvPr>
@@ -2003,11 +2073,11 @@
 </file>
 
 <file path=ppt/notesSlides/notesSlide21.xml><?xml version="1.0" encoding="utf-8"?>
-<p:notes xmlns:a="http://schemas.openxmlformats.org/drawingml/2006/main" xmlns:r="http://schemas.openxmlformats.org/officeDocument/2006/relationships" xmlns:p="http://schemas.openxmlformats.org/presentationml/2006/main" showMasterPhAnim="0" showMasterSp="0">
+<p:notes xmlns:a="http://schemas.openxmlformats.org/drawingml/2006/main" xmlns:r="http://schemas.openxmlformats.org/officeDocument/2006/relationships" xmlns:p="http://schemas.openxmlformats.org/presentationml/2006/main" showMasterSp="0" showMasterPhAnim="0">
   <p:cSld>
     <p:spTree>
       <p:nvGrpSpPr>
-        <p:cNvPr id="232" name="Shape 232"/>
+        <p:cNvPr id="1" name="Shape 239"/>
         <p:cNvGrpSpPr/>
         <p:nvPr/>
       </p:nvGrpSpPr>
@@ -2021,8 +2091,10 @@
       </p:grpSpPr>
       <p:sp>
         <p:nvSpPr>
-          <p:cNvPr id="233" name="Google Shape;233;p21:notes"/>
-          <p:cNvSpPr txBox="1"/>
+          <p:cNvPr id="240" name="Google Shape;240;p22:notes"/>
+          <p:cNvSpPr txBox="1">
+            <a:spLocks noGrp="1"/>
+          </p:cNvSpPr>
           <p:nvPr>
             <p:ph type="body" idx="1"/>
           </p:nvPr>
@@ -2051,13 +2123,16 @@
               </a:spcAft>
               <a:buNone/>
             </a:pPr>
+            <a:endParaRPr/>
           </a:p>
         </p:txBody>
       </p:sp>
       <p:sp>
         <p:nvSpPr>
-          <p:cNvPr id="234" name="Google Shape;234;p21:notes"/>
-          <p:cNvSpPr/>
+          <p:cNvPr id="241" name="Google Shape;241;p22:notes"/>
+          <p:cNvSpPr>
+            <a:spLocks noGrp="1" noRot="1" noChangeAspect="1"/>
+          </p:cNvSpPr>
           <p:nvPr>
             <p:ph type="sldImg" idx="2"/>
           </p:nvPr>
@@ -2102,11 +2177,11 @@
 </file>
 
 <file path=ppt/notesSlides/notesSlide22.xml><?xml version="1.0" encoding="utf-8"?>
-<p:notes xmlns:a="http://schemas.openxmlformats.org/drawingml/2006/main" xmlns:r="http://schemas.openxmlformats.org/officeDocument/2006/relationships" xmlns:p="http://schemas.openxmlformats.org/presentationml/2006/main" showMasterPhAnim="0" showMasterSp="0">
+<p:notes xmlns:a="http://schemas.openxmlformats.org/drawingml/2006/main" xmlns:r="http://schemas.openxmlformats.org/officeDocument/2006/relationships" xmlns:p="http://schemas.openxmlformats.org/presentationml/2006/main" showMasterSp="0" showMasterPhAnim="0">
   <p:cSld>
     <p:spTree>
       <p:nvGrpSpPr>
-        <p:cNvPr id="239" name="Shape 239"/>
+        <p:cNvPr id="1" name="Shape 245"/>
         <p:cNvGrpSpPr/>
         <p:nvPr/>
       </p:nvGrpSpPr>
@@ -2120,8 +2195,10 @@
       </p:grpSpPr>
       <p:sp>
         <p:nvSpPr>
-          <p:cNvPr id="240" name="Google Shape;240;p22:notes"/>
-          <p:cNvSpPr txBox="1"/>
+          <p:cNvPr id="246" name="Google Shape;246;p23:notes"/>
+          <p:cNvSpPr txBox="1">
+            <a:spLocks noGrp="1"/>
+          </p:cNvSpPr>
           <p:nvPr>
             <p:ph type="body" idx="1"/>
           </p:nvPr>
@@ -2150,13 +2227,16 @@
               </a:spcAft>
               <a:buNone/>
             </a:pPr>
+            <a:endParaRPr/>
           </a:p>
         </p:txBody>
       </p:sp>
       <p:sp>
         <p:nvSpPr>
-          <p:cNvPr id="241" name="Google Shape;241;p22:notes"/>
-          <p:cNvSpPr/>
+          <p:cNvPr id="247" name="Google Shape;247;p23:notes"/>
+          <p:cNvSpPr>
+            <a:spLocks noGrp="1" noRot="1" noChangeAspect="1"/>
+          </p:cNvSpPr>
           <p:nvPr>
             <p:ph type="sldImg" idx="2"/>
           </p:nvPr>
@@ -2201,11 +2281,11 @@
 </file>
 
 <file path=ppt/notesSlides/notesSlide23.xml><?xml version="1.0" encoding="utf-8"?>
-<p:notes xmlns:a="http://schemas.openxmlformats.org/drawingml/2006/main" xmlns:r="http://schemas.openxmlformats.org/officeDocument/2006/relationships" xmlns:p="http://schemas.openxmlformats.org/presentationml/2006/main" showMasterPhAnim="0" showMasterSp="0">
+<p:notes xmlns:a="http://schemas.openxmlformats.org/drawingml/2006/main" xmlns:r="http://schemas.openxmlformats.org/officeDocument/2006/relationships" xmlns:p="http://schemas.openxmlformats.org/presentationml/2006/main" showMasterSp="0" showMasterPhAnim="0">
   <p:cSld>
     <p:spTree>
       <p:nvGrpSpPr>
-        <p:cNvPr id="245" name="Shape 245"/>
+        <p:cNvPr id="1" name="Shape 254"/>
         <p:cNvGrpSpPr/>
         <p:nvPr/>
       </p:nvGrpSpPr>
@@ -2219,8 +2299,10 @@
       </p:grpSpPr>
       <p:sp>
         <p:nvSpPr>
-          <p:cNvPr id="246" name="Google Shape;246;p23:notes"/>
-          <p:cNvSpPr txBox="1"/>
+          <p:cNvPr id="255" name="Google Shape;255;p24:notes"/>
+          <p:cNvSpPr txBox="1">
+            <a:spLocks noGrp="1"/>
+          </p:cNvSpPr>
           <p:nvPr>
             <p:ph type="body" idx="1"/>
           </p:nvPr>
@@ -2249,112 +2331,16 @@
               </a:spcAft>
               <a:buNone/>
             </a:pPr>
-          </a:p>
-        </p:txBody>
-      </p:sp>
-      <p:sp>
-        <p:nvSpPr>
-          <p:cNvPr id="247" name="Google Shape;247;p23:notes"/>
-          <p:cNvSpPr/>
-          <p:nvPr>
-            <p:ph type="sldImg" idx="2"/>
-          </p:nvPr>
-        </p:nvSpPr>
-        <p:spPr>
-          <a:xfrm>
-            <a:off x="1143225" y="685800"/>
-            <a:ext cx="4572225" cy="3429000"/>
-          </a:xfrm>
-          <a:custGeom>
-            <a:avLst/>
-            <a:gdLst/>
-            <a:ahLst/>
-            <a:cxnLst/>
-            <a:rect l="l" t="t" r="r" b="b"/>
-            <a:pathLst>
-              <a:path w="120000" h="120000" extrusionOk="0">
-                <a:moveTo>
-                  <a:pt x="0" y="0"/>
-                </a:moveTo>
-                <a:lnTo>
-                  <a:pt x="120000" y="0"/>
-                </a:lnTo>
-                <a:lnTo>
-                  <a:pt x="120000" y="120000"/>
-                </a:lnTo>
-                <a:lnTo>
-                  <a:pt x="0" y="120000"/>
-                </a:lnTo>
-                <a:close/>
-              </a:path>
-            </a:pathLst>
-          </a:custGeom>
-        </p:spPr>
-      </p:sp>
-    </p:spTree>
-  </p:cSld>
-  <p:clrMapOvr>
-    <a:masterClrMapping/>
-  </p:clrMapOvr>
-</p:notes>
-</file>
-
-<file path=ppt/notesSlides/notesSlide24.xml><?xml version="1.0" encoding="utf-8"?>
-<p:notes xmlns:a="http://schemas.openxmlformats.org/drawingml/2006/main" xmlns:r="http://schemas.openxmlformats.org/officeDocument/2006/relationships" xmlns:p="http://schemas.openxmlformats.org/presentationml/2006/main" showMasterPhAnim="0" showMasterSp="0">
-  <p:cSld>
-    <p:spTree>
-      <p:nvGrpSpPr>
-        <p:cNvPr id="254" name="Shape 254"/>
-        <p:cNvGrpSpPr/>
-        <p:nvPr/>
-      </p:nvGrpSpPr>
-      <p:grpSpPr>
-        <a:xfrm>
-          <a:off x="0" y="0"/>
-          <a:ext cx="0" cy="0"/>
-          <a:chOff x="0" y="0"/>
-          <a:chExt cx="0" cy="0"/>
-        </a:xfrm>
-      </p:grpSpPr>
-      <p:sp>
-        <p:nvSpPr>
-          <p:cNvPr id="255" name="Google Shape;255;p24:notes"/>
-          <p:cNvSpPr txBox="1"/>
-          <p:nvPr>
-            <p:ph type="body" idx="1"/>
-          </p:nvPr>
-        </p:nvSpPr>
-        <p:spPr>
-          <a:xfrm>
-            <a:off x="685800" y="4343400"/>
-            <a:ext cx="5486400" cy="4114800"/>
-          </a:xfrm>
-          <a:prstGeom prst="rect">
-            <a:avLst/>
-          </a:prstGeom>
-        </p:spPr>
-        <p:txBody>
-          <a:bodyPr spcFirstLastPara="1" wrap="square" lIns="91425" tIns="91425" rIns="91425" bIns="91425" anchor="t" anchorCtr="0">
-            <a:noAutofit/>
-          </a:bodyPr>
-          <a:lstStyle/>
-          <a:p>
-            <a:pPr marL="0" lvl="0" indent="0" algn="l" rtl="0">
-              <a:spcBef>
-                <a:spcPts val="0"/>
-              </a:spcBef>
-              <a:spcAft>
-                <a:spcPts val="0"/>
-              </a:spcAft>
-              <a:buNone/>
-            </a:pPr>
+            <a:endParaRPr/>
           </a:p>
         </p:txBody>
       </p:sp>
       <p:sp>
         <p:nvSpPr>
           <p:cNvPr id="256" name="Google Shape;256;p24:notes"/>
-          <p:cNvSpPr/>
+          <p:cNvSpPr>
+            <a:spLocks noGrp="1" noRot="1" noChangeAspect="1"/>
+          </p:cNvSpPr>
           <p:nvPr>
             <p:ph type="sldImg" idx="2"/>
           </p:nvPr>
@@ -2399,11 +2385,11 @@
 </file>
 
 <file path=ppt/notesSlides/notesSlide3.xml><?xml version="1.0" encoding="utf-8"?>
-<p:notes xmlns:a="http://schemas.openxmlformats.org/drawingml/2006/main" xmlns:r="http://schemas.openxmlformats.org/officeDocument/2006/relationships" xmlns:p="http://schemas.openxmlformats.org/presentationml/2006/main" showMasterPhAnim="0" showMasterSp="0">
+<p:notes xmlns:a="http://schemas.openxmlformats.org/drawingml/2006/main" xmlns:r="http://schemas.openxmlformats.org/officeDocument/2006/relationships" xmlns:p="http://schemas.openxmlformats.org/presentationml/2006/main" showMasterSp="0" showMasterPhAnim="0">
   <p:cSld>
     <p:spTree>
       <p:nvGrpSpPr>
-        <p:cNvPr id="110" name="Shape 110"/>
+        <p:cNvPr id="1" name="Shape 110"/>
         <p:cNvGrpSpPr/>
         <p:nvPr/>
       </p:nvGrpSpPr>
@@ -2418,7 +2404,9 @@
       <p:sp>
         <p:nvSpPr>
           <p:cNvPr id="111" name="Google Shape;111;p3:notes"/>
-          <p:cNvSpPr txBox="1"/>
+          <p:cNvSpPr txBox="1">
+            <a:spLocks noGrp="1"/>
+          </p:cNvSpPr>
           <p:nvPr>
             <p:ph type="body" idx="1"/>
           </p:nvPr>
@@ -2447,13 +2435,16 @@
               </a:spcAft>
               <a:buNone/>
             </a:pPr>
+            <a:endParaRPr/>
           </a:p>
         </p:txBody>
       </p:sp>
       <p:sp>
         <p:nvSpPr>
           <p:cNvPr id="112" name="Google Shape;112;p3:notes"/>
-          <p:cNvSpPr/>
+          <p:cNvSpPr>
+            <a:spLocks noGrp="1" noRot="1" noChangeAspect="1"/>
+          </p:cNvSpPr>
           <p:nvPr>
             <p:ph type="sldImg" idx="2"/>
           </p:nvPr>
@@ -2498,11 +2489,11 @@
 </file>
 
 <file path=ppt/notesSlides/notesSlide4.xml><?xml version="1.0" encoding="utf-8"?>
-<p:notes xmlns:a="http://schemas.openxmlformats.org/drawingml/2006/main" xmlns:r="http://schemas.openxmlformats.org/officeDocument/2006/relationships" xmlns:p="http://schemas.openxmlformats.org/presentationml/2006/main" showMasterPhAnim="0" showMasterSp="0">
+<p:notes xmlns:a="http://schemas.openxmlformats.org/drawingml/2006/main" xmlns:r="http://schemas.openxmlformats.org/officeDocument/2006/relationships" xmlns:p="http://schemas.openxmlformats.org/presentationml/2006/main" showMasterSp="0" showMasterPhAnim="0">
   <p:cSld>
     <p:spTree>
       <p:nvGrpSpPr>
-        <p:cNvPr id="116" name="Shape 116"/>
+        <p:cNvPr id="1" name="Shape 116"/>
         <p:cNvGrpSpPr/>
         <p:nvPr/>
       </p:nvGrpSpPr>
@@ -2517,7 +2508,9 @@
       <p:sp>
         <p:nvSpPr>
           <p:cNvPr id="117" name="Google Shape;117;p4:notes"/>
-          <p:cNvSpPr txBox="1"/>
+          <p:cNvSpPr txBox="1">
+            <a:spLocks noGrp="1"/>
+          </p:cNvSpPr>
           <p:nvPr>
             <p:ph type="body" idx="1"/>
           </p:nvPr>
@@ -2546,13 +2539,16 @@
               </a:spcAft>
               <a:buNone/>
             </a:pPr>
+            <a:endParaRPr/>
           </a:p>
         </p:txBody>
       </p:sp>
       <p:sp>
         <p:nvSpPr>
           <p:cNvPr id="118" name="Google Shape;118;p4:notes"/>
-          <p:cNvSpPr/>
+          <p:cNvSpPr>
+            <a:spLocks noGrp="1" noRot="1" noChangeAspect="1"/>
+          </p:cNvSpPr>
           <p:nvPr>
             <p:ph type="sldImg" idx="2"/>
           </p:nvPr>
@@ -2597,11 +2593,11 @@
 </file>
 
 <file path=ppt/notesSlides/notesSlide5.xml><?xml version="1.0" encoding="utf-8"?>
-<p:notes xmlns:a="http://schemas.openxmlformats.org/drawingml/2006/main" xmlns:r="http://schemas.openxmlformats.org/officeDocument/2006/relationships" xmlns:p="http://schemas.openxmlformats.org/presentationml/2006/main" showMasterPhAnim="0" showMasterSp="0">
+<p:notes xmlns:a="http://schemas.openxmlformats.org/drawingml/2006/main" xmlns:r="http://schemas.openxmlformats.org/officeDocument/2006/relationships" xmlns:p="http://schemas.openxmlformats.org/presentationml/2006/main" showMasterSp="0" showMasterPhAnim="0">
   <p:cSld>
     <p:spTree>
       <p:nvGrpSpPr>
-        <p:cNvPr id="122" name="Shape 122"/>
+        <p:cNvPr id="1" name="Shape 122"/>
         <p:cNvGrpSpPr/>
         <p:nvPr/>
       </p:nvGrpSpPr>
@@ -2616,7 +2612,9 @@
       <p:sp>
         <p:nvSpPr>
           <p:cNvPr id="123" name="Google Shape;123;p5:notes"/>
-          <p:cNvSpPr txBox="1"/>
+          <p:cNvSpPr txBox="1">
+            <a:spLocks noGrp="1"/>
+          </p:cNvSpPr>
           <p:nvPr>
             <p:ph type="body" idx="1"/>
           </p:nvPr>
@@ -2645,13 +2643,16 @@
               </a:spcAft>
               <a:buNone/>
             </a:pPr>
+            <a:endParaRPr/>
           </a:p>
         </p:txBody>
       </p:sp>
       <p:sp>
         <p:nvSpPr>
           <p:cNvPr id="124" name="Google Shape;124;p5:notes"/>
-          <p:cNvSpPr/>
+          <p:cNvSpPr>
+            <a:spLocks noGrp="1" noRot="1" noChangeAspect="1"/>
+          </p:cNvSpPr>
           <p:nvPr>
             <p:ph type="sldImg" idx="2"/>
           </p:nvPr>
@@ -2696,11 +2697,11 @@
 </file>
 
 <file path=ppt/notesSlides/notesSlide6.xml><?xml version="1.0" encoding="utf-8"?>
-<p:notes xmlns:a="http://schemas.openxmlformats.org/drawingml/2006/main" xmlns:r="http://schemas.openxmlformats.org/officeDocument/2006/relationships" xmlns:p="http://schemas.openxmlformats.org/presentationml/2006/main" showMasterPhAnim="0" showMasterSp="0">
+<p:notes xmlns:a="http://schemas.openxmlformats.org/drawingml/2006/main" xmlns:r="http://schemas.openxmlformats.org/officeDocument/2006/relationships" xmlns:p="http://schemas.openxmlformats.org/presentationml/2006/main" showMasterSp="0" showMasterPhAnim="0">
   <p:cSld>
     <p:spTree>
       <p:nvGrpSpPr>
-        <p:cNvPr id="128" name="Shape 128"/>
+        <p:cNvPr id="1" name="Shape 128"/>
         <p:cNvGrpSpPr/>
         <p:nvPr/>
       </p:nvGrpSpPr>
@@ -2715,7 +2716,9 @@
       <p:sp>
         <p:nvSpPr>
           <p:cNvPr id="129" name="Google Shape;129;p6:notes"/>
-          <p:cNvSpPr txBox="1"/>
+          <p:cNvSpPr txBox="1">
+            <a:spLocks noGrp="1"/>
+          </p:cNvSpPr>
           <p:nvPr>
             <p:ph type="body" idx="1"/>
           </p:nvPr>
@@ -2744,13 +2747,16 @@
               </a:spcAft>
               <a:buNone/>
             </a:pPr>
+            <a:endParaRPr/>
           </a:p>
         </p:txBody>
       </p:sp>
       <p:sp>
         <p:nvSpPr>
           <p:cNvPr id="130" name="Google Shape;130;p6:notes"/>
-          <p:cNvSpPr/>
+          <p:cNvSpPr>
+            <a:spLocks noGrp="1" noRot="1" noChangeAspect="1"/>
+          </p:cNvSpPr>
           <p:nvPr>
             <p:ph type="sldImg" idx="2"/>
           </p:nvPr>
@@ -2795,11 +2801,11 @@
 </file>
 
 <file path=ppt/notesSlides/notesSlide7.xml><?xml version="1.0" encoding="utf-8"?>
-<p:notes xmlns:a="http://schemas.openxmlformats.org/drawingml/2006/main" xmlns:r="http://schemas.openxmlformats.org/officeDocument/2006/relationships" xmlns:p="http://schemas.openxmlformats.org/presentationml/2006/main" showMasterPhAnim="0" showMasterSp="0">
+<p:notes xmlns:a="http://schemas.openxmlformats.org/drawingml/2006/main" xmlns:r="http://schemas.openxmlformats.org/officeDocument/2006/relationships" xmlns:p="http://schemas.openxmlformats.org/presentationml/2006/main" showMasterSp="0" showMasterPhAnim="0">
   <p:cSld>
     <p:spTree>
       <p:nvGrpSpPr>
-        <p:cNvPr id="134" name="Shape 134"/>
+        <p:cNvPr id="1" name="Shape 134"/>
         <p:cNvGrpSpPr/>
         <p:nvPr/>
       </p:nvGrpSpPr>
@@ -2814,7 +2820,9 @@
       <p:sp>
         <p:nvSpPr>
           <p:cNvPr id="135" name="Google Shape;135;p7:notes"/>
-          <p:cNvSpPr txBox="1"/>
+          <p:cNvSpPr txBox="1">
+            <a:spLocks noGrp="1"/>
+          </p:cNvSpPr>
           <p:nvPr>
             <p:ph type="body" idx="1"/>
           </p:nvPr>
@@ -2843,13 +2851,16 @@
               </a:spcAft>
               <a:buNone/>
             </a:pPr>
+            <a:endParaRPr/>
           </a:p>
         </p:txBody>
       </p:sp>
       <p:sp>
         <p:nvSpPr>
           <p:cNvPr id="136" name="Google Shape;136;p7:notes"/>
-          <p:cNvSpPr/>
+          <p:cNvSpPr>
+            <a:spLocks noGrp="1" noRot="1" noChangeAspect="1"/>
+          </p:cNvSpPr>
           <p:nvPr>
             <p:ph type="sldImg" idx="2"/>
           </p:nvPr>
@@ -2894,11 +2905,11 @@
 </file>
 
 <file path=ppt/notesSlides/notesSlide8.xml><?xml version="1.0" encoding="utf-8"?>
-<p:notes xmlns:a="http://schemas.openxmlformats.org/drawingml/2006/main" xmlns:r="http://schemas.openxmlformats.org/officeDocument/2006/relationships" xmlns:p="http://schemas.openxmlformats.org/presentationml/2006/main" showMasterPhAnim="0" showMasterSp="0">
+<p:notes xmlns:a="http://schemas.openxmlformats.org/drawingml/2006/main" xmlns:r="http://schemas.openxmlformats.org/officeDocument/2006/relationships" xmlns:p="http://schemas.openxmlformats.org/presentationml/2006/main" showMasterSp="0" showMasterPhAnim="0">
   <p:cSld>
     <p:spTree>
       <p:nvGrpSpPr>
-        <p:cNvPr id="141" name="Shape 141"/>
+        <p:cNvPr id="1" name="Shape 141"/>
         <p:cNvGrpSpPr/>
         <p:nvPr/>
       </p:nvGrpSpPr>
@@ -2913,7 +2924,9 @@
       <p:sp>
         <p:nvSpPr>
           <p:cNvPr id="142" name="Google Shape;142;p8:notes"/>
-          <p:cNvSpPr txBox="1"/>
+          <p:cNvSpPr txBox="1">
+            <a:spLocks noGrp="1"/>
+          </p:cNvSpPr>
           <p:nvPr>
             <p:ph type="body" idx="1"/>
           </p:nvPr>
@@ -2942,13 +2955,16 @@
               </a:spcAft>
               <a:buNone/>
             </a:pPr>
+            <a:endParaRPr/>
           </a:p>
         </p:txBody>
       </p:sp>
       <p:sp>
         <p:nvSpPr>
           <p:cNvPr id="143" name="Google Shape;143;p8:notes"/>
-          <p:cNvSpPr/>
+          <p:cNvSpPr>
+            <a:spLocks noGrp="1" noRot="1" noChangeAspect="1"/>
+          </p:cNvSpPr>
           <p:nvPr>
             <p:ph type="sldImg" idx="2"/>
           </p:nvPr>
@@ -2993,11 +3009,11 @@
 </file>
 
 <file path=ppt/notesSlides/notesSlide9.xml><?xml version="1.0" encoding="utf-8"?>
-<p:notes xmlns:a="http://schemas.openxmlformats.org/drawingml/2006/main" xmlns:r="http://schemas.openxmlformats.org/officeDocument/2006/relationships" xmlns:p="http://schemas.openxmlformats.org/presentationml/2006/main" showMasterPhAnim="0" showMasterSp="0">
+<p:notes xmlns:a="http://schemas.openxmlformats.org/drawingml/2006/main" xmlns:r="http://schemas.openxmlformats.org/officeDocument/2006/relationships" xmlns:p="http://schemas.openxmlformats.org/presentationml/2006/main" showMasterSp="0" showMasterPhAnim="0">
   <p:cSld>
     <p:spTree>
       <p:nvGrpSpPr>
-        <p:cNvPr id="147" name="Shape 147"/>
+        <p:cNvPr id="1" name="Shape 147"/>
         <p:cNvGrpSpPr/>
         <p:nvPr/>
       </p:nvGrpSpPr>
@@ -3012,7 +3028,9 @@
       <p:sp>
         <p:nvSpPr>
           <p:cNvPr id="148" name="Google Shape;148;p9:notes"/>
-          <p:cNvSpPr txBox="1"/>
+          <p:cNvSpPr txBox="1">
+            <a:spLocks noGrp="1"/>
+          </p:cNvSpPr>
           <p:nvPr>
             <p:ph type="body" idx="1"/>
           </p:nvPr>
@@ -3041,13 +3059,16 @@
               </a:spcAft>
               <a:buNone/>
             </a:pPr>
+            <a:endParaRPr/>
           </a:p>
         </p:txBody>
       </p:sp>
       <p:sp>
         <p:nvSpPr>
           <p:cNvPr id="149" name="Google Shape;149;p9:notes"/>
-          <p:cNvSpPr/>
+          <p:cNvSpPr>
+            <a:spLocks noGrp="1" noRot="1" noChangeAspect="1"/>
+          </p:cNvSpPr>
           <p:nvPr>
             <p:ph type="sldImg" idx="2"/>
           </p:nvPr>
@@ -3092,11 +3113,11 @@
 </file>
 
 <file path=ppt/slideLayouts/slideLayout1.xml><?xml version="1.0" encoding="utf-8"?>
-<p:sldLayout xmlns:a="http://schemas.openxmlformats.org/drawingml/2006/main" xmlns:r="http://schemas.openxmlformats.org/officeDocument/2006/relationships" xmlns:p="http://schemas.openxmlformats.org/presentationml/2006/main" type="title" matchingName="Başlık Slaydı">
+<p:sldLayout xmlns:a="http://schemas.openxmlformats.org/drawingml/2006/main" xmlns:r="http://schemas.openxmlformats.org/officeDocument/2006/relationships" xmlns:p="http://schemas.openxmlformats.org/presentationml/2006/main" matchingName="Başlık Slaydı" type="title">
   <p:cSld name="TITLE">
     <p:spTree>
       <p:nvGrpSpPr>
-        <p:cNvPr id="29" name="Shape 29"/>
+        <p:cNvPr id="1" name="Shape 29"/>
         <p:cNvGrpSpPr/>
         <p:nvPr/>
       </p:nvGrpSpPr>
@@ -3111,7 +3132,9 @@
       <p:sp>
         <p:nvSpPr>
           <p:cNvPr id="30" name="Google Shape;30;p26"/>
-          <p:cNvSpPr txBox="1"/>
+          <p:cNvSpPr txBox="1">
+            <a:spLocks noGrp="1"/>
+          </p:cNvSpPr>
           <p:nvPr>
             <p:ph type="ctrTitle"/>
           </p:nvPr>
@@ -3241,13 +3264,17 @@
               <a:defRPr/>
             </a:lvl9pPr>
           </a:lstStyle>
-          <a:p/>
+          <a:p>
+            <a:endParaRPr/>
+          </a:p>
         </p:txBody>
       </p:sp>
       <p:sp>
         <p:nvSpPr>
           <p:cNvPr id="31" name="Google Shape;31;p26"/>
-          <p:cNvSpPr txBox="1"/>
+          <p:cNvSpPr txBox="1">
+            <a:spLocks noGrp="1"/>
+          </p:cNvSpPr>
           <p:nvPr>
             <p:ph type="subTitle" idx="1"/>
           </p:nvPr>
@@ -3409,13 +3436,17 @@
               <a:defRPr sz="1600"/>
             </a:lvl9pPr>
           </a:lstStyle>
-          <a:p/>
+          <a:p>
+            <a:endParaRPr/>
+          </a:p>
         </p:txBody>
       </p:sp>
       <p:sp>
         <p:nvSpPr>
           <p:cNvPr id="32" name="Google Shape;32;p26"/>
-          <p:cNvSpPr txBox="1"/>
+          <p:cNvSpPr txBox="1">
+            <a:spLocks noGrp="1"/>
+          </p:cNvSpPr>
           <p:nvPr>
             <p:ph type="dt" idx="10"/>
           </p:nvPr>
@@ -3538,13 +3569,17 @@
               <a:defRPr/>
             </a:lvl9pPr>
           </a:lstStyle>
-          <a:p/>
+          <a:p>
+            <a:endParaRPr/>
+          </a:p>
         </p:txBody>
       </p:sp>
       <p:sp>
         <p:nvSpPr>
           <p:cNvPr id="33" name="Google Shape;33;p26"/>
-          <p:cNvSpPr txBox="1"/>
+          <p:cNvSpPr txBox="1">
+            <a:spLocks noGrp="1"/>
+          </p:cNvSpPr>
           <p:nvPr>
             <p:ph type="ftr" idx="11"/>
           </p:nvPr>
@@ -3667,13 +3702,17 @@
               <a:defRPr/>
             </a:lvl9pPr>
           </a:lstStyle>
-          <a:p/>
+          <a:p>
+            <a:endParaRPr/>
+          </a:p>
         </p:txBody>
       </p:sp>
       <p:sp>
         <p:nvSpPr>
           <p:cNvPr id="34" name="Google Shape;34;p26"/>
-          <p:cNvSpPr txBox="1"/>
+          <p:cNvSpPr txBox="1">
+            <a:spLocks noGrp="1"/>
+          </p:cNvSpPr>
           <p:nvPr>
             <p:ph type="sldNum" idx="12"/>
           </p:nvPr>
@@ -3772,6 +3811,7 @@
             </a:pPr>
             <a:fld id="{00000000-1234-1234-1234-123412341234}" type="slidenum">
               <a:rPr lang="en-US"/>
+              <a:t>‹#›</a:t>
             </a:fld>
             <a:endParaRPr lang="en-US"/>
           </a:p>
@@ -3786,11 +3826,11 @@
 </file>
 
 <file path=ppt/slideLayouts/slideLayout10.xml><?xml version="1.0" encoding="utf-8"?>
-<p:sldLayout xmlns:a="http://schemas.openxmlformats.org/drawingml/2006/main" xmlns:r="http://schemas.openxmlformats.org/officeDocument/2006/relationships" xmlns:p="http://schemas.openxmlformats.org/presentationml/2006/main" type="vertTx" matchingName="Başlık ve Dikey Metin">
+<p:sldLayout xmlns:a="http://schemas.openxmlformats.org/drawingml/2006/main" xmlns:r="http://schemas.openxmlformats.org/officeDocument/2006/relationships" xmlns:p="http://schemas.openxmlformats.org/presentationml/2006/main" matchingName="Başlık ve Dikey Metin" type="vertTx">
   <p:cSld name="VERTICAL_TEXT">
     <p:spTree>
       <p:nvGrpSpPr>
-        <p:cNvPr id="86" name="Shape 86"/>
+        <p:cNvPr id="1" name="Shape 86"/>
         <p:cNvGrpSpPr/>
         <p:nvPr/>
       </p:nvGrpSpPr>
@@ -3805,7 +3845,9 @@
       <p:sp>
         <p:nvSpPr>
           <p:cNvPr id="87" name="Google Shape;87;p35"/>
-          <p:cNvSpPr txBox="1"/>
+          <p:cNvSpPr txBox="1">
+            <a:spLocks noGrp="1"/>
+          </p:cNvSpPr>
           <p:nvPr>
             <p:ph type="title"/>
           </p:nvPr>
@@ -3934,13 +3976,17 @@
               <a:defRPr/>
             </a:lvl9pPr>
           </a:lstStyle>
-          <a:p/>
+          <a:p>
+            <a:endParaRPr/>
+          </a:p>
         </p:txBody>
       </p:sp>
       <p:sp>
         <p:nvSpPr>
           <p:cNvPr id="88" name="Google Shape;88;p35"/>
-          <p:cNvSpPr txBox="1"/>
+          <p:cNvSpPr txBox="1">
+            <a:spLocks noGrp="1"/>
+          </p:cNvSpPr>
           <p:nvPr>
             <p:ph type="body" idx="1"/>
           </p:nvPr>
@@ -4102,13 +4148,17 @@
               <a:defRPr/>
             </a:lvl9pPr>
           </a:lstStyle>
-          <a:p/>
+          <a:p>
+            <a:endParaRPr/>
+          </a:p>
         </p:txBody>
       </p:sp>
       <p:sp>
         <p:nvSpPr>
           <p:cNvPr id="89" name="Google Shape;89;p35"/>
-          <p:cNvSpPr txBox="1"/>
+          <p:cNvSpPr txBox="1">
+            <a:spLocks noGrp="1"/>
+          </p:cNvSpPr>
           <p:nvPr>
             <p:ph type="dt" idx="10"/>
           </p:nvPr>
@@ -4231,13 +4281,17 @@
               <a:defRPr/>
             </a:lvl9pPr>
           </a:lstStyle>
-          <a:p/>
+          <a:p>
+            <a:endParaRPr/>
+          </a:p>
         </p:txBody>
       </p:sp>
       <p:sp>
         <p:nvSpPr>
           <p:cNvPr id="90" name="Google Shape;90;p35"/>
-          <p:cNvSpPr txBox="1"/>
+          <p:cNvSpPr txBox="1">
+            <a:spLocks noGrp="1"/>
+          </p:cNvSpPr>
           <p:nvPr>
             <p:ph type="ftr" idx="11"/>
           </p:nvPr>
@@ -4360,13 +4414,17 @@
               <a:defRPr/>
             </a:lvl9pPr>
           </a:lstStyle>
-          <a:p/>
+          <a:p>
+            <a:endParaRPr/>
+          </a:p>
         </p:txBody>
       </p:sp>
       <p:sp>
         <p:nvSpPr>
           <p:cNvPr id="91" name="Google Shape;91;p35"/>
-          <p:cNvSpPr txBox="1"/>
+          <p:cNvSpPr txBox="1">
+            <a:spLocks noGrp="1"/>
+          </p:cNvSpPr>
           <p:nvPr>
             <p:ph type="sldNum" idx="12"/>
           </p:nvPr>
@@ -4465,6 +4523,7 @@
             </a:pPr>
             <a:fld id="{00000000-1234-1234-1234-123412341234}" type="slidenum">
               <a:rPr lang="en-US"/>
+              <a:t>‹#›</a:t>
             </a:fld>
             <a:endParaRPr lang="en-US"/>
           </a:p>
@@ -4479,11 +4538,11 @@
 </file>
 
 <file path=ppt/slideLayouts/slideLayout11.xml><?xml version="1.0" encoding="utf-8"?>
-<p:sldLayout xmlns:a="http://schemas.openxmlformats.org/drawingml/2006/main" xmlns:r="http://schemas.openxmlformats.org/officeDocument/2006/relationships" xmlns:p="http://schemas.openxmlformats.org/presentationml/2006/main" type="vertTitleAndTx" matchingName="Dikey Başlık ve Metin">
+<p:sldLayout xmlns:a="http://schemas.openxmlformats.org/drawingml/2006/main" xmlns:r="http://schemas.openxmlformats.org/officeDocument/2006/relationships" xmlns:p="http://schemas.openxmlformats.org/presentationml/2006/main" matchingName="Dikey Başlık ve Metin" type="vertTitleAndTx">
   <p:cSld name="VERTICAL_TITLE_AND_VERTICAL_TEXT">
     <p:spTree>
       <p:nvGrpSpPr>
-        <p:cNvPr id="92" name="Shape 92"/>
+        <p:cNvPr id="1" name="Shape 92"/>
         <p:cNvGrpSpPr/>
         <p:nvPr/>
       </p:nvGrpSpPr>
@@ -4498,7 +4557,9 @@
       <p:sp>
         <p:nvSpPr>
           <p:cNvPr id="93" name="Google Shape;93;p36"/>
-          <p:cNvSpPr txBox="1"/>
+          <p:cNvSpPr txBox="1">
+            <a:spLocks noGrp="1"/>
+          </p:cNvSpPr>
           <p:nvPr>
             <p:ph type="title"/>
           </p:nvPr>
@@ -4627,13 +4688,17 @@
               <a:defRPr/>
             </a:lvl9pPr>
           </a:lstStyle>
-          <a:p/>
+          <a:p>
+            <a:endParaRPr/>
+          </a:p>
         </p:txBody>
       </p:sp>
       <p:sp>
         <p:nvSpPr>
           <p:cNvPr id="94" name="Google Shape;94;p36"/>
-          <p:cNvSpPr txBox="1"/>
+          <p:cNvSpPr txBox="1">
+            <a:spLocks noGrp="1"/>
+          </p:cNvSpPr>
           <p:nvPr>
             <p:ph type="body" idx="1"/>
           </p:nvPr>
@@ -4795,13 +4860,17 @@
               <a:defRPr/>
             </a:lvl9pPr>
           </a:lstStyle>
-          <a:p/>
+          <a:p>
+            <a:endParaRPr/>
+          </a:p>
         </p:txBody>
       </p:sp>
       <p:sp>
         <p:nvSpPr>
           <p:cNvPr id="95" name="Google Shape;95;p36"/>
-          <p:cNvSpPr txBox="1"/>
+          <p:cNvSpPr txBox="1">
+            <a:spLocks noGrp="1"/>
+          </p:cNvSpPr>
           <p:nvPr>
             <p:ph type="dt" idx="10"/>
           </p:nvPr>
@@ -4924,13 +4993,17 @@
               <a:defRPr/>
             </a:lvl9pPr>
           </a:lstStyle>
-          <a:p/>
+          <a:p>
+            <a:endParaRPr/>
+          </a:p>
         </p:txBody>
       </p:sp>
       <p:sp>
         <p:nvSpPr>
           <p:cNvPr id="96" name="Google Shape;96;p36"/>
-          <p:cNvSpPr txBox="1"/>
+          <p:cNvSpPr txBox="1">
+            <a:spLocks noGrp="1"/>
+          </p:cNvSpPr>
           <p:nvPr>
             <p:ph type="ftr" idx="11"/>
           </p:nvPr>
@@ -5053,13 +5126,17 @@
               <a:defRPr/>
             </a:lvl9pPr>
           </a:lstStyle>
-          <a:p/>
+          <a:p>
+            <a:endParaRPr/>
+          </a:p>
         </p:txBody>
       </p:sp>
       <p:sp>
         <p:nvSpPr>
           <p:cNvPr id="97" name="Google Shape;97;p36"/>
-          <p:cNvSpPr txBox="1"/>
+          <p:cNvSpPr txBox="1">
+            <a:spLocks noGrp="1"/>
+          </p:cNvSpPr>
           <p:nvPr>
             <p:ph type="sldNum" idx="12"/>
           </p:nvPr>
@@ -5158,6 +5235,7 @@
             </a:pPr>
             <a:fld id="{00000000-1234-1234-1234-123412341234}" type="slidenum">
               <a:rPr lang="en-US"/>
+              <a:t>‹#›</a:t>
             </a:fld>
             <a:endParaRPr lang="en-US"/>
           </a:p>
@@ -5172,11 +5250,11 @@
 </file>
 
 <file path=ppt/slideLayouts/slideLayout2.xml><?xml version="1.0" encoding="utf-8"?>
-<p:sldLayout xmlns:a="http://schemas.openxmlformats.org/drawingml/2006/main" xmlns:r="http://schemas.openxmlformats.org/officeDocument/2006/relationships" xmlns:p="http://schemas.openxmlformats.org/presentationml/2006/main" type="obj" matchingName="Başlık ve İçerik">
+<p:sldLayout xmlns:a="http://schemas.openxmlformats.org/drawingml/2006/main" xmlns:r="http://schemas.openxmlformats.org/officeDocument/2006/relationships" xmlns:p="http://schemas.openxmlformats.org/presentationml/2006/main" matchingName="Başlık ve İçerik" type="obj">
   <p:cSld name="OBJECT">
     <p:spTree>
       <p:nvGrpSpPr>
-        <p:cNvPr id="35" name="Shape 35"/>
+        <p:cNvPr id="1" name="Shape 35"/>
         <p:cNvGrpSpPr/>
         <p:nvPr/>
       </p:nvGrpSpPr>
@@ -5191,7 +5269,9 @@
       <p:sp>
         <p:nvSpPr>
           <p:cNvPr id="36" name="Google Shape;36;p27"/>
-          <p:cNvSpPr txBox="1"/>
+          <p:cNvSpPr txBox="1">
+            <a:spLocks noGrp="1"/>
+          </p:cNvSpPr>
           <p:nvPr>
             <p:ph type="title"/>
           </p:nvPr>
@@ -5320,13 +5400,17 @@
               <a:defRPr/>
             </a:lvl9pPr>
           </a:lstStyle>
-          <a:p/>
+          <a:p>
+            <a:endParaRPr/>
+          </a:p>
         </p:txBody>
       </p:sp>
       <p:sp>
         <p:nvSpPr>
           <p:cNvPr id="37" name="Google Shape;37;p27"/>
-          <p:cNvSpPr txBox="1"/>
+          <p:cNvSpPr txBox="1">
+            <a:spLocks noGrp="1"/>
+          </p:cNvSpPr>
           <p:nvPr>
             <p:ph type="body" idx="1"/>
           </p:nvPr>
@@ -5488,13 +5572,17 @@
               <a:defRPr/>
             </a:lvl9pPr>
           </a:lstStyle>
-          <a:p/>
+          <a:p>
+            <a:endParaRPr/>
+          </a:p>
         </p:txBody>
       </p:sp>
       <p:sp>
         <p:nvSpPr>
           <p:cNvPr id="38" name="Google Shape;38;p27"/>
-          <p:cNvSpPr txBox="1"/>
+          <p:cNvSpPr txBox="1">
+            <a:spLocks noGrp="1"/>
+          </p:cNvSpPr>
           <p:nvPr>
             <p:ph type="dt" idx="10"/>
           </p:nvPr>
@@ -5617,13 +5705,17 @@
               <a:defRPr/>
             </a:lvl9pPr>
           </a:lstStyle>
-          <a:p/>
+          <a:p>
+            <a:endParaRPr/>
+          </a:p>
         </p:txBody>
       </p:sp>
       <p:sp>
         <p:nvSpPr>
           <p:cNvPr id="39" name="Google Shape;39;p27"/>
-          <p:cNvSpPr txBox="1"/>
+          <p:cNvSpPr txBox="1">
+            <a:spLocks noGrp="1"/>
+          </p:cNvSpPr>
           <p:nvPr>
             <p:ph type="ftr" idx="11"/>
           </p:nvPr>
@@ -5746,13 +5838,17 @@
               <a:defRPr/>
             </a:lvl9pPr>
           </a:lstStyle>
-          <a:p/>
+          <a:p>
+            <a:endParaRPr/>
+          </a:p>
         </p:txBody>
       </p:sp>
       <p:sp>
         <p:nvSpPr>
           <p:cNvPr id="40" name="Google Shape;40;p27"/>
-          <p:cNvSpPr txBox="1"/>
+          <p:cNvSpPr txBox="1">
+            <a:spLocks noGrp="1"/>
+          </p:cNvSpPr>
           <p:nvPr>
             <p:ph type="sldNum" idx="12"/>
           </p:nvPr>
@@ -5851,6 +5947,7 @@
             </a:pPr>
             <a:fld id="{00000000-1234-1234-1234-123412341234}" type="slidenum">
               <a:rPr lang="en-US"/>
+              <a:t>‹#›</a:t>
             </a:fld>
             <a:endParaRPr lang="en-US"/>
           </a:p>
@@ -5865,11 +5962,11 @@
 </file>
 
 <file path=ppt/slideLayouts/slideLayout3.xml><?xml version="1.0" encoding="utf-8"?>
-<p:sldLayout xmlns:a="http://schemas.openxmlformats.org/drawingml/2006/main" xmlns:r="http://schemas.openxmlformats.org/officeDocument/2006/relationships" xmlns:p="http://schemas.openxmlformats.org/presentationml/2006/main" type="picTx" matchingName="Başlıklı Resim">
+<p:sldLayout xmlns:a="http://schemas.openxmlformats.org/drawingml/2006/main" xmlns:r="http://schemas.openxmlformats.org/officeDocument/2006/relationships" xmlns:p="http://schemas.openxmlformats.org/presentationml/2006/main" matchingName="Başlıklı Resim" type="picTx">
   <p:cSld name="PICTURE_WITH_CAPTION_TEXT">
     <p:spTree>
       <p:nvGrpSpPr>
-        <p:cNvPr id="41" name="Shape 41"/>
+        <p:cNvPr id="1" name="Shape 41"/>
         <p:cNvGrpSpPr/>
         <p:nvPr/>
       </p:nvGrpSpPr>
@@ -5884,7 +5981,9 @@
       <p:sp>
         <p:nvSpPr>
           <p:cNvPr id="42" name="Google Shape;42;p28"/>
-          <p:cNvSpPr txBox="1"/>
+          <p:cNvSpPr txBox="1">
+            <a:spLocks noGrp="1"/>
+          </p:cNvSpPr>
           <p:nvPr>
             <p:ph type="title"/>
           </p:nvPr>
@@ -6014,13 +6113,17 @@
               <a:defRPr/>
             </a:lvl9pPr>
           </a:lstStyle>
-          <a:p/>
+          <a:p>
+            <a:endParaRPr/>
+          </a:p>
         </p:txBody>
       </p:sp>
       <p:sp>
         <p:nvSpPr>
           <p:cNvPr id="43" name="Google Shape;43;p28"/>
-          <p:cNvSpPr/>
+          <p:cNvSpPr>
+            <a:spLocks noGrp="1"/>
+          </p:cNvSpPr>
           <p:nvPr>
             <p:ph type="pic" idx="2"/>
           </p:nvPr>
@@ -6042,7 +6145,9 @@
       <p:sp>
         <p:nvSpPr>
           <p:cNvPr id="44" name="Google Shape;44;p28"/>
-          <p:cNvSpPr txBox="1"/>
+          <p:cNvSpPr txBox="1">
+            <a:spLocks noGrp="1"/>
+          </p:cNvSpPr>
           <p:nvPr>
             <p:ph type="body" idx="1"/>
           </p:nvPr>
@@ -6204,13 +6309,17 @@
               <a:defRPr sz="1000"/>
             </a:lvl9pPr>
           </a:lstStyle>
-          <a:p/>
+          <a:p>
+            <a:endParaRPr/>
+          </a:p>
         </p:txBody>
       </p:sp>
       <p:sp>
         <p:nvSpPr>
           <p:cNvPr id="45" name="Google Shape;45;p28"/>
-          <p:cNvSpPr txBox="1"/>
+          <p:cNvSpPr txBox="1">
+            <a:spLocks noGrp="1"/>
+          </p:cNvSpPr>
           <p:nvPr>
             <p:ph type="dt" idx="10"/>
           </p:nvPr>
@@ -6333,13 +6442,17 @@
               <a:defRPr/>
             </a:lvl9pPr>
           </a:lstStyle>
-          <a:p/>
+          <a:p>
+            <a:endParaRPr/>
+          </a:p>
         </p:txBody>
       </p:sp>
       <p:sp>
         <p:nvSpPr>
           <p:cNvPr id="46" name="Google Shape;46;p28"/>
-          <p:cNvSpPr txBox="1"/>
+          <p:cNvSpPr txBox="1">
+            <a:spLocks noGrp="1"/>
+          </p:cNvSpPr>
           <p:nvPr>
             <p:ph type="ftr" idx="11"/>
           </p:nvPr>
@@ -6462,13 +6575,17 @@
               <a:defRPr/>
             </a:lvl9pPr>
           </a:lstStyle>
-          <a:p/>
+          <a:p>
+            <a:endParaRPr/>
+          </a:p>
         </p:txBody>
       </p:sp>
       <p:sp>
         <p:nvSpPr>
           <p:cNvPr id="47" name="Google Shape;47;p28"/>
-          <p:cNvSpPr txBox="1"/>
+          <p:cNvSpPr txBox="1">
+            <a:spLocks noGrp="1"/>
+          </p:cNvSpPr>
           <p:nvPr>
             <p:ph type="sldNum" idx="12"/>
           </p:nvPr>
@@ -6567,6 +6684,7 @@
             </a:pPr>
             <a:fld id="{00000000-1234-1234-1234-123412341234}" type="slidenum">
               <a:rPr lang="en-US"/>
+              <a:t>‹#›</a:t>
             </a:fld>
             <a:endParaRPr lang="en-US"/>
           </a:p>
@@ -6581,11 +6699,11 @@
 </file>
 
 <file path=ppt/slideLayouts/slideLayout4.xml><?xml version="1.0" encoding="utf-8"?>
-<p:sldLayout xmlns:a="http://schemas.openxmlformats.org/drawingml/2006/main" xmlns:r="http://schemas.openxmlformats.org/officeDocument/2006/relationships" xmlns:p="http://schemas.openxmlformats.org/presentationml/2006/main" type="objTx" matchingName="Başlıklı İçerik">
+<p:sldLayout xmlns:a="http://schemas.openxmlformats.org/drawingml/2006/main" xmlns:r="http://schemas.openxmlformats.org/officeDocument/2006/relationships" xmlns:p="http://schemas.openxmlformats.org/presentationml/2006/main" matchingName="Başlıklı İçerik" type="objTx">
   <p:cSld name="OBJECT_WITH_CAPTION_TEXT">
     <p:spTree>
       <p:nvGrpSpPr>
-        <p:cNvPr id="48" name="Shape 48"/>
+        <p:cNvPr id="1" name="Shape 48"/>
         <p:cNvGrpSpPr/>
         <p:nvPr/>
       </p:nvGrpSpPr>
@@ -6600,7 +6718,9 @@
       <p:sp>
         <p:nvSpPr>
           <p:cNvPr id="49" name="Google Shape;49;p29"/>
-          <p:cNvSpPr txBox="1"/>
+          <p:cNvSpPr txBox="1">
+            <a:spLocks noGrp="1"/>
+          </p:cNvSpPr>
           <p:nvPr>
             <p:ph type="title"/>
           </p:nvPr>
@@ -6730,13 +6850,17 @@
               <a:defRPr/>
             </a:lvl9pPr>
           </a:lstStyle>
-          <a:p/>
+          <a:p>
+            <a:endParaRPr/>
+          </a:p>
         </p:txBody>
       </p:sp>
       <p:sp>
         <p:nvSpPr>
           <p:cNvPr id="50" name="Google Shape;50;p29"/>
-          <p:cNvSpPr txBox="1"/>
+          <p:cNvSpPr txBox="1">
+            <a:spLocks noGrp="1"/>
+          </p:cNvSpPr>
           <p:nvPr>
             <p:ph type="body" idx="1"/>
           </p:nvPr>
@@ -6898,13 +7022,17 @@
               <a:defRPr sz="2000"/>
             </a:lvl9pPr>
           </a:lstStyle>
-          <a:p/>
+          <a:p>
+            <a:endParaRPr/>
+          </a:p>
         </p:txBody>
       </p:sp>
       <p:sp>
         <p:nvSpPr>
           <p:cNvPr id="51" name="Google Shape;51;p29"/>
-          <p:cNvSpPr txBox="1"/>
+          <p:cNvSpPr txBox="1">
+            <a:spLocks noGrp="1"/>
+          </p:cNvSpPr>
           <p:nvPr>
             <p:ph type="body" idx="2"/>
           </p:nvPr>
@@ -7066,13 +7194,17 @@
               <a:defRPr sz="1000"/>
             </a:lvl9pPr>
           </a:lstStyle>
-          <a:p/>
+          <a:p>
+            <a:endParaRPr/>
+          </a:p>
         </p:txBody>
       </p:sp>
       <p:sp>
         <p:nvSpPr>
           <p:cNvPr id="52" name="Google Shape;52;p29"/>
-          <p:cNvSpPr txBox="1"/>
+          <p:cNvSpPr txBox="1">
+            <a:spLocks noGrp="1"/>
+          </p:cNvSpPr>
           <p:nvPr>
             <p:ph type="dt" idx="10"/>
           </p:nvPr>
@@ -7195,13 +7327,17 @@
               <a:defRPr/>
             </a:lvl9pPr>
           </a:lstStyle>
-          <a:p/>
+          <a:p>
+            <a:endParaRPr/>
+          </a:p>
         </p:txBody>
       </p:sp>
       <p:sp>
         <p:nvSpPr>
           <p:cNvPr id="53" name="Google Shape;53;p29"/>
-          <p:cNvSpPr txBox="1"/>
+          <p:cNvSpPr txBox="1">
+            <a:spLocks noGrp="1"/>
+          </p:cNvSpPr>
           <p:nvPr>
             <p:ph type="ftr" idx="11"/>
           </p:nvPr>
@@ -7324,13 +7460,17 @@
               <a:defRPr/>
             </a:lvl9pPr>
           </a:lstStyle>
-          <a:p/>
+          <a:p>
+            <a:endParaRPr/>
+          </a:p>
         </p:txBody>
       </p:sp>
       <p:sp>
         <p:nvSpPr>
           <p:cNvPr id="54" name="Google Shape;54;p29"/>
-          <p:cNvSpPr txBox="1"/>
+          <p:cNvSpPr txBox="1">
+            <a:spLocks noGrp="1"/>
+          </p:cNvSpPr>
           <p:nvPr>
             <p:ph type="sldNum" idx="12"/>
           </p:nvPr>
@@ -7429,6 +7569,7 @@
             </a:pPr>
             <a:fld id="{00000000-1234-1234-1234-123412341234}" type="slidenum">
               <a:rPr lang="en-US"/>
+              <a:t>‹#›</a:t>
             </a:fld>
             <a:endParaRPr lang="en-US"/>
           </a:p>
@@ -7443,11 +7584,11 @@
 </file>
 
 <file path=ppt/slideLayouts/slideLayout5.xml><?xml version="1.0" encoding="utf-8"?>
-<p:sldLayout xmlns:a="http://schemas.openxmlformats.org/drawingml/2006/main" xmlns:r="http://schemas.openxmlformats.org/officeDocument/2006/relationships" xmlns:p="http://schemas.openxmlformats.org/presentationml/2006/main" type="secHead" matchingName="Bölüm Üst Bilgisi">
+<p:sldLayout xmlns:a="http://schemas.openxmlformats.org/drawingml/2006/main" xmlns:r="http://schemas.openxmlformats.org/officeDocument/2006/relationships" xmlns:p="http://schemas.openxmlformats.org/presentationml/2006/main" matchingName="Bölüm Üst Bilgisi" type="secHead">
   <p:cSld name="SECTION_HEADER">
     <p:spTree>
       <p:nvGrpSpPr>
-        <p:cNvPr id="55" name="Shape 55"/>
+        <p:cNvPr id="1" name="Shape 55"/>
         <p:cNvGrpSpPr/>
         <p:nvPr/>
       </p:nvGrpSpPr>
@@ -7462,7 +7603,9 @@
       <p:sp>
         <p:nvSpPr>
           <p:cNvPr id="56" name="Google Shape;56;p30"/>
-          <p:cNvSpPr txBox="1"/>
+          <p:cNvSpPr txBox="1">
+            <a:spLocks noGrp="1"/>
+          </p:cNvSpPr>
           <p:nvPr>
             <p:ph type="title"/>
           </p:nvPr>
@@ -7592,13 +7735,17 @@
               <a:defRPr/>
             </a:lvl9pPr>
           </a:lstStyle>
-          <a:p/>
+          <a:p>
+            <a:endParaRPr/>
+          </a:p>
         </p:txBody>
       </p:sp>
       <p:sp>
         <p:nvSpPr>
           <p:cNvPr id="57" name="Google Shape;57;p30"/>
-          <p:cNvSpPr txBox="1"/>
+          <p:cNvSpPr txBox="1">
+            <a:spLocks noGrp="1"/>
+          </p:cNvSpPr>
           <p:nvPr>
             <p:ph type="body" idx="1"/>
           </p:nvPr>
@@ -7796,13 +7943,17 @@
               </a:defRPr>
             </a:lvl9pPr>
           </a:lstStyle>
-          <a:p/>
+          <a:p>
+            <a:endParaRPr/>
+          </a:p>
         </p:txBody>
       </p:sp>
       <p:sp>
         <p:nvSpPr>
           <p:cNvPr id="58" name="Google Shape;58;p30"/>
-          <p:cNvSpPr txBox="1"/>
+          <p:cNvSpPr txBox="1">
+            <a:spLocks noGrp="1"/>
+          </p:cNvSpPr>
           <p:nvPr>
             <p:ph type="dt" idx="10"/>
           </p:nvPr>
@@ -7925,13 +8076,17 @@
               <a:defRPr/>
             </a:lvl9pPr>
           </a:lstStyle>
-          <a:p/>
+          <a:p>
+            <a:endParaRPr/>
+          </a:p>
         </p:txBody>
       </p:sp>
       <p:sp>
         <p:nvSpPr>
           <p:cNvPr id="59" name="Google Shape;59;p30"/>
-          <p:cNvSpPr txBox="1"/>
+          <p:cNvSpPr txBox="1">
+            <a:spLocks noGrp="1"/>
+          </p:cNvSpPr>
           <p:nvPr>
             <p:ph type="ftr" idx="11"/>
           </p:nvPr>
@@ -8054,13 +8209,17 @@
               <a:defRPr/>
             </a:lvl9pPr>
           </a:lstStyle>
-          <a:p/>
+          <a:p>
+            <a:endParaRPr/>
+          </a:p>
         </p:txBody>
       </p:sp>
       <p:sp>
         <p:nvSpPr>
           <p:cNvPr id="60" name="Google Shape;60;p30"/>
-          <p:cNvSpPr txBox="1"/>
+          <p:cNvSpPr txBox="1">
+            <a:spLocks noGrp="1"/>
+          </p:cNvSpPr>
           <p:nvPr>
             <p:ph type="sldNum" idx="12"/>
           </p:nvPr>
@@ -8159,6 +8318,7 @@
             </a:pPr>
             <a:fld id="{00000000-1234-1234-1234-123412341234}" type="slidenum">
               <a:rPr lang="en-US"/>
+              <a:t>‹#›</a:t>
             </a:fld>
             <a:endParaRPr lang="en-US"/>
           </a:p>
@@ -8173,11 +8333,11 @@
 </file>
 
 <file path=ppt/slideLayouts/slideLayout6.xml><?xml version="1.0" encoding="utf-8"?>
-<p:sldLayout xmlns:a="http://schemas.openxmlformats.org/drawingml/2006/main" xmlns:r="http://schemas.openxmlformats.org/officeDocument/2006/relationships" xmlns:p="http://schemas.openxmlformats.org/presentationml/2006/main" type="twoObj" matchingName="İki İçerik">
+<p:sldLayout xmlns:a="http://schemas.openxmlformats.org/drawingml/2006/main" xmlns:r="http://schemas.openxmlformats.org/officeDocument/2006/relationships" xmlns:p="http://schemas.openxmlformats.org/presentationml/2006/main" matchingName="İki İçerik" type="twoObj">
   <p:cSld name="TWO_OBJECTS">
     <p:spTree>
       <p:nvGrpSpPr>
-        <p:cNvPr id="61" name="Shape 61"/>
+        <p:cNvPr id="1" name="Shape 61"/>
         <p:cNvGrpSpPr/>
         <p:nvPr/>
       </p:nvGrpSpPr>
@@ -8192,7 +8352,9 @@
       <p:sp>
         <p:nvSpPr>
           <p:cNvPr id="62" name="Google Shape;62;p31"/>
-          <p:cNvSpPr txBox="1"/>
+          <p:cNvSpPr txBox="1">
+            <a:spLocks noGrp="1"/>
+          </p:cNvSpPr>
           <p:nvPr>
             <p:ph type="title"/>
           </p:nvPr>
@@ -8321,13 +8483,17 @@
               <a:defRPr/>
             </a:lvl9pPr>
           </a:lstStyle>
-          <a:p/>
+          <a:p>
+            <a:endParaRPr/>
+          </a:p>
         </p:txBody>
       </p:sp>
       <p:sp>
         <p:nvSpPr>
           <p:cNvPr id="63" name="Google Shape;63;p31"/>
-          <p:cNvSpPr txBox="1"/>
+          <p:cNvSpPr txBox="1">
+            <a:spLocks noGrp="1"/>
+          </p:cNvSpPr>
           <p:nvPr>
             <p:ph type="body" idx="1"/>
           </p:nvPr>
@@ -8489,13 +8655,17 @@
               <a:defRPr/>
             </a:lvl9pPr>
           </a:lstStyle>
-          <a:p/>
+          <a:p>
+            <a:endParaRPr/>
+          </a:p>
         </p:txBody>
       </p:sp>
       <p:sp>
         <p:nvSpPr>
           <p:cNvPr id="64" name="Google Shape;64;p31"/>
-          <p:cNvSpPr txBox="1"/>
+          <p:cNvSpPr txBox="1">
+            <a:spLocks noGrp="1"/>
+          </p:cNvSpPr>
           <p:nvPr>
             <p:ph type="body" idx="2"/>
           </p:nvPr>
@@ -8657,13 +8827,17 @@
               <a:defRPr/>
             </a:lvl9pPr>
           </a:lstStyle>
-          <a:p/>
+          <a:p>
+            <a:endParaRPr/>
+          </a:p>
         </p:txBody>
       </p:sp>
       <p:sp>
         <p:nvSpPr>
           <p:cNvPr id="65" name="Google Shape;65;p31"/>
-          <p:cNvSpPr txBox="1"/>
+          <p:cNvSpPr txBox="1">
+            <a:spLocks noGrp="1"/>
+          </p:cNvSpPr>
           <p:nvPr>
             <p:ph type="dt" idx="10"/>
           </p:nvPr>
@@ -8786,13 +8960,17 @@
               <a:defRPr/>
             </a:lvl9pPr>
           </a:lstStyle>
-          <a:p/>
+          <a:p>
+            <a:endParaRPr/>
+          </a:p>
         </p:txBody>
       </p:sp>
       <p:sp>
         <p:nvSpPr>
           <p:cNvPr id="66" name="Google Shape;66;p31"/>
-          <p:cNvSpPr txBox="1"/>
+          <p:cNvSpPr txBox="1">
+            <a:spLocks noGrp="1"/>
+          </p:cNvSpPr>
           <p:nvPr>
             <p:ph type="ftr" idx="11"/>
           </p:nvPr>
@@ -8915,13 +9093,17 @@
               <a:defRPr/>
             </a:lvl9pPr>
           </a:lstStyle>
-          <a:p/>
+          <a:p>
+            <a:endParaRPr/>
+          </a:p>
         </p:txBody>
       </p:sp>
       <p:sp>
         <p:nvSpPr>
           <p:cNvPr id="67" name="Google Shape;67;p31"/>
-          <p:cNvSpPr txBox="1"/>
+          <p:cNvSpPr txBox="1">
+            <a:spLocks noGrp="1"/>
+          </p:cNvSpPr>
           <p:nvPr>
             <p:ph type="sldNum" idx="12"/>
           </p:nvPr>
@@ -9020,6 +9202,7 @@
             </a:pPr>
             <a:fld id="{00000000-1234-1234-1234-123412341234}" type="slidenum">
               <a:rPr lang="en-US"/>
+              <a:t>‹#›</a:t>
             </a:fld>
             <a:endParaRPr lang="en-US"/>
           </a:p>
@@ -9034,11 +9217,11 @@
 </file>
 
 <file path=ppt/slideLayouts/slideLayout7.xml><?xml version="1.0" encoding="utf-8"?>
-<p:sldLayout xmlns:a="http://schemas.openxmlformats.org/drawingml/2006/main" xmlns:r="http://schemas.openxmlformats.org/officeDocument/2006/relationships" xmlns:p="http://schemas.openxmlformats.org/presentationml/2006/main" type="twoTxTwoObj" matchingName="Karşılaştırma">
+<p:sldLayout xmlns:a="http://schemas.openxmlformats.org/drawingml/2006/main" xmlns:r="http://schemas.openxmlformats.org/officeDocument/2006/relationships" xmlns:p="http://schemas.openxmlformats.org/presentationml/2006/main" matchingName="Karşılaştırma" type="twoTxTwoObj">
   <p:cSld name="TWO_OBJECTS_WITH_TEXT">
     <p:spTree>
       <p:nvGrpSpPr>
-        <p:cNvPr id="68" name="Shape 68"/>
+        <p:cNvPr id="1" name="Shape 68"/>
         <p:cNvGrpSpPr/>
         <p:nvPr/>
       </p:nvGrpSpPr>
@@ -9053,7 +9236,9 @@
       <p:sp>
         <p:nvSpPr>
           <p:cNvPr id="69" name="Google Shape;69;p32"/>
-          <p:cNvSpPr txBox="1"/>
+          <p:cNvSpPr txBox="1">
+            <a:spLocks noGrp="1"/>
+          </p:cNvSpPr>
           <p:nvPr>
             <p:ph type="title"/>
           </p:nvPr>
@@ -9182,13 +9367,17 @@
               <a:defRPr/>
             </a:lvl9pPr>
           </a:lstStyle>
-          <a:p/>
+          <a:p>
+            <a:endParaRPr/>
+          </a:p>
         </p:txBody>
       </p:sp>
       <p:sp>
         <p:nvSpPr>
           <p:cNvPr id="70" name="Google Shape;70;p32"/>
-          <p:cNvSpPr txBox="1"/>
+          <p:cNvSpPr txBox="1">
+            <a:spLocks noGrp="1"/>
+          </p:cNvSpPr>
           <p:nvPr>
             <p:ph type="body" idx="1"/>
           </p:nvPr>
@@ -9350,13 +9539,17 @@
               <a:defRPr sz="1600" b="1"/>
             </a:lvl9pPr>
           </a:lstStyle>
-          <a:p/>
+          <a:p>
+            <a:endParaRPr/>
+          </a:p>
         </p:txBody>
       </p:sp>
       <p:sp>
         <p:nvSpPr>
           <p:cNvPr id="71" name="Google Shape;71;p32"/>
-          <p:cNvSpPr txBox="1"/>
+          <p:cNvSpPr txBox="1">
+            <a:spLocks noGrp="1"/>
+          </p:cNvSpPr>
           <p:nvPr>
             <p:ph type="body" idx="2"/>
           </p:nvPr>
@@ -9518,13 +9711,17 @@
               <a:defRPr/>
             </a:lvl9pPr>
           </a:lstStyle>
-          <a:p/>
+          <a:p>
+            <a:endParaRPr/>
+          </a:p>
         </p:txBody>
       </p:sp>
       <p:sp>
         <p:nvSpPr>
           <p:cNvPr id="72" name="Google Shape;72;p32"/>
-          <p:cNvSpPr txBox="1"/>
+          <p:cNvSpPr txBox="1">
+            <a:spLocks noGrp="1"/>
+          </p:cNvSpPr>
           <p:nvPr>
             <p:ph type="body" idx="3"/>
           </p:nvPr>
@@ -9686,13 +9883,17 @@
               <a:defRPr sz="1600" b="1"/>
             </a:lvl9pPr>
           </a:lstStyle>
-          <a:p/>
+          <a:p>
+            <a:endParaRPr/>
+          </a:p>
         </p:txBody>
       </p:sp>
       <p:sp>
         <p:nvSpPr>
           <p:cNvPr id="73" name="Google Shape;73;p32"/>
-          <p:cNvSpPr txBox="1"/>
+          <p:cNvSpPr txBox="1">
+            <a:spLocks noGrp="1"/>
+          </p:cNvSpPr>
           <p:nvPr>
             <p:ph type="body" idx="4"/>
           </p:nvPr>
@@ -9854,13 +10055,17 @@
               <a:defRPr/>
             </a:lvl9pPr>
           </a:lstStyle>
-          <a:p/>
+          <a:p>
+            <a:endParaRPr/>
+          </a:p>
         </p:txBody>
       </p:sp>
       <p:sp>
         <p:nvSpPr>
           <p:cNvPr id="74" name="Google Shape;74;p32"/>
-          <p:cNvSpPr txBox="1"/>
+          <p:cNvSpPr txBox="1">
+            <a:spLocks noGrp="1"/>
+          </p:cNvSpPr>
           <p:nvPr>
             <p:ph type="dt" idx="10"/>
           </p:nvPr>
@@ -9983,13 +10188,17 @@
               <a:defRPr/>
             </a:lvl9pPr>
           </a:lstStyle>
-          <a:p/>
+          <a:p>
+            <a:endParaRPr/>
+          </a:p>
         </p:txBody>
       </p:sp>
       <p:sp>
         <p:nvSpPr>
           <p:cNvPr id="75" name="Google Shape;75;p32"/>
-          <p:cNvSpPr txBox="1"/>
+          <p:cNvSpPr txBox="1">
+            <a:spLocks noGrp="1"/>
+          </p:cNvSpPr>
           <p:nvPr>
             <p:ph type="ftr" idx="11"/>
           </p:nvPr>
@@ -10112,13 +10321,17 @@
               <a:defRPr/>
             </a:lvl9pPr>
           </a:lstStyle>
-          <a:p/>
+          <a:p>
+            <a:endParaRPr/>
+          </a:p>
         </p:txBody>
       </p:sp>
       <p:sp>
         <p:nvSpPr>
           <p:cNvPr id="76" name="Google Shape;76;p32"/>
-          <p:cNvSpPr txBox="1"/>
+          <p:cNvSpPr txBox="1">
+            <a:spLocks noGrp="1"/>
+          </p:cNvSpPr>
           <p:nvPr>
             <p:ph type="sldNum" idx="12"/>
           </p:nvPr>
@@ -10217,6 +10430,7 @@
             </a:pPr>
             <a:fld id="{00000000-1234-1234-1234-123412341234}" type="slidenum">
               <a:rPr lang="en-US"/>
+              <a:t>‹#›</a:t>
             </a:fld>
             <a:endParaRPr lang="en-US"/>
           </a:p>
@@ -10231,11 +10445,11 @@
 </file>
 
 <file path=ppt/slideLayouts/slideLayout8.xml><?xml version="1.0" encoding="utf-8"?>
-<p:sldLayout xmlns:a="http://schemas.openxmlformats.org/drawingml/2006/main" xmlns:r="http://schemas.openxmlformats.org/officeDocument/2006/relationships" xmlns:p="http://schemas.openxmlformats.org/presentationml/2006/main" type="titleOnly" matchingName="Yalnızca Başlık">
+<p:sldLayout xmlns:a="http://schemas.openxmlformats.org/drawingml/2006/main" xmlns:r="http://schemas.openxmlformats.org/officeDocument/2006/relationships" xmlns:p="http://schemas.openxmlformats.org/presentationml/2006/main" matchingName="Yalnızca Başlık" type="titleOnly">
   <p:cSld name="TITLE_ONLY">
     <p:spTree>
       <p:nvGrpSpPr>
-        <p:cNvPr id="77" name="Shape 77"/>
+        <p:cNvPr id="1" name="Shape 77"/>
         <p:cNvGrpSpPr/>
         <p:nvPr/>
       </p:nvGrpSpPr>
@@ -10250,7 +10464,9 @@
       <p:sp>
         <p:nvSpPr>
           <p:cNvPr id="78" name="Google Shape;78;p33"/>
-          <p:cNvSpPr txBox="1"/>
+          <p:cNvSpPr txBox="1">
+            <a:spLocks noGrp="1"/>
+          </p:cNvSpPr>
           <p:nvPr>
             <p:ph type="title"/>
           </p:nvPr>
@@ -10379,13 +10595,17 @@
               <a:defRPr/>
             </a:lvl9pPr>
           </a:lstStyle>
-          <a:p/>
+          <a:p>
+            <a:endParaRPr/>
+          </a:p>
         </p:txBody>
       </p:sp>
       <p:sp>
         <p:nvSpPr>
           <p:cNvPr id="79" name="Google Shape;79;p33"/>
-          <p:cNvSpPr txBox="1"/>
+          <p:cNvSpPr txBox="1">
+            <a:spLocks noGrp="1"/>
+          </p:cNvSpPr>
           <p:nvPr>
             <p:ph type="dt" idx="10"/>
           </p:nvPr>
@@ -10508,13 +10728,17 @@
               <a:defRPr/>
             </a:lvl9pPr>
           </a:lstStyle>
-          <a:p/>
+          <a:p>
+            <a:endParaRPr/>
+          </a:p>
         </p:txBody>
       </p:sp>
       <p:sp>
         <p:nvSpPr>
           <p:cNvPr id="80" name="Google Shape;80;p33"/>
-          <p:cNvSpPr txBox="1"/>
+          <p:cNvSpPr txBox="1">
+            <a:spLocks noGrp="1"/>
+          </p:cNvSpPr>
           <p:nvPr>
             <p:ph type="ftr" idx="11"/>
           </p:nvPr>
@@ -10637,13 +10861,17 @@
               <a:defRPr/>
             </a:lvl9pPr>
           </a:lstStyle>
-          <a:p/>
+          <a:p>
+            <a:endParaRPr/>
+          </a:p>
         </p:txBody>
       </p:sp>
       <p:sp>
         <p:nvSpPr>
           <p:cNvPr id="81" name="Google Shape;81;p33"/>
-          <p:cNvSpPr txBox="1"/>
+          <p:cNvSpPr txBox="1">
+            <a:spLocks noGrp="1"/>
+          </p:cNvSpPr>
           <p:nvPr>
             <p:ph type="sldNum" idx="12"/>
           </p:nvPr>
@@ -10742,6 +10970,7 @@
             </a:pPr>
             <a:fld id="{00000000-1234-1234-1234-123412341234}" type="slidenum">
               <a:rPr lang="en-US"/>
+              <a:t>‹#›</a:t>
             </a:fld>
             <a:endParaRPr lang="en-US"/>
           </a:p>
@@ -10756,11 +10985,11 @@
 </file>
 
 <file path=ppt/slideLayouts/slideLayout9.xml><?xml version="1.0" encoding="utf-8"?>
-<p:sldLayout xmlns:a="http://schemas.openxmlformats.org/drawingml/2006/main" xmlns:r="http://schemas.openxmlformats.org/officeDocument/2006/relationships" xmlns:p="http://schemas.openxmlformats.org/presentationml/2006/main" type="blank" matchingName="Boş">
+<p:sldLayout xmlns:a="http://schemas.openxmlformats.org/drawingml/2006/main" xmlns:r="http://schemas.openxmlformats.org/officeDocument/2006/relationships" xmlns:p="http://schemas.openxmlformats.org/presentationml/2006/main" matchingName="Boş" type="blank">
   <p:cSld name="BLANK">
     <p:spTree>
       <p:nvGrpSpPr>
-        <p:cNvPr id="82" name="Shape 82"/>
+        <p:cNvPr id="1" name="Shape 82"/>
         <p:cNvGrpSpPr/>
         <p:nvPr/>
       </p:nvGrpSpPr>
@@ -10775,7 +11004,9 @@
       <p:sp>
         <p:nvSpPr>
           <p:cNvPr id="83" name="Google Shape;83;p34"/>
-          <p:cNvSpPr txBox="1"/>
+          <p:cNvSpPr txBox="1">
+            <a:spLocks noGrp="1"/>
+          </p:cNvSpPr>
           <p:nvPr>
             <p:ph type="dt" idx="10"/>
           </p:nvPr>
@@ -10898,13 +11129,17 @@
               <a:defRPr/>
             </a:lvl9pPr>
           </a:lstStyle>
-          <a:p/>
+          <a:p>
+            <a:endParaRPr/>
+          </a:p>
         </p:txBody>
       </p:sp>
       <p:sp>
         <p:nvSpPr>
           <p:cNvPr id="84" name="Google Shape;84;p34"/>
-          <p:cNvSpPr txBox="1"/>
+          <p:cNvSpPr txBox="1">
+            <a:spLocks noGrp="1"/>
+          </p:cNvSpPr>
           <p:nvPr>
             <p:ph type="ftr" idx="11"/>
           </p:nvPr>
@@ -11027,13 +11262,17 @@
               <a:defRPr/>
             </a:lvl9pPr>
           </a:lstStyle>
-          <a:p/>
+          <a:p>
+            <a:endParaRPr/>
+          </a:p>
         </p:txBody>
       </p:sp>
       <p:sp>
         <p:nvSpPr>
           <p:cNvPr id="85" name="Google Shape;85;p34"/>
-          <p:cNvSpPr txBox="1"/>
+          <p:cNvSpPr txBox="1">
+            <a:spLocks noGrp="1"/>
+          </p:cNvSpPr>
           <p:nvPr>
             <p:ph type="sldNum" idx="12"/>
           </p:nvPr>
@@ -11132,6 +11371,7 @@
             </a:pPr>
             <a:fld id="{00000000-1234-1234-1234-123412341234}" type="slidenum">
               <a:rPr lang="en-US"/>
+              <a:t>‹#›</a:t>
             </a:fld>
             <a:endParaRPr lang="en-US"/>
           </a:p>
@@ -11158,7 +11398,7 @@
     </p:bg>
     <p:spTree>
       <p:nvGrpSpPr>
-        <p:cNvPr id="5" name="Shape 5"/>
+        <p:cNvPr id="1" name="Shape 5"/>
         <p:cNvGrpSpPr/>
         <p:nvPr/>
       </p:nvGrpSpPr>
@@ -12153,7 +12393,9 @@
       <p:sp>
         <p:nvSpPr>
           <p:cNvPr id="24" name="Google Shape;24;p25"/>
-          <p:cNvSpPr txBox="1"/>
+          <p:cNvSpPr txBox="1">
+            <a:spLocks noGrp="1"/>
+          </p:cNvSpPr>
           <p:nvPr>
             <p:ph type="dt" idx="10"/>
           </p:nvPr>
@@ -12348,13 +12590,17 @@
               </a:defRPr>
             </a:lvl9pPr>
           </a:lstStyle>
-          <a:p/>
+          <a:p>
+            <a:endParaRPr/>
+          </a:p>
         </p:txBody>
       </p:sp>
       <p:sp>
         <p:nvSpPr>
           <p:cNvPr id="25" name="Google Shape;25;p25"/>
-          <p:cNvSpPr txBox="1"/>
+          <p:cNvSpPr txBox="1">
+            <a:spLocks noGrp="1"/>
+          </p:cNvSpPr>
           <p:nvPr>
             <p:ph type="ftr" idx="11"/>
           </p:nvPr>
@@ -12549,13 +12795,17 @@
               </a:defRPr>
             </a:lvl9pPr>
           </a:lstStyle>
-          <a:p/>
+          <a:p>
+            <a:endParaRPr/>
+          </a:p>
         </p:txBody>
       </p:sp>
       <p:sp>
         <p:nvSpPr>
           <p:cNvPr id="26" name="Google Shape;26;p25"/>
-          <p:cNvSpPr txBox="1"/>
+          <p:cNvSpPr txBox="1">
+            <a:spLocks noGrp="1"/>
+          </p:cNvSpPr>
           <p:nvPr>
             <p:ph type="sldNum" idx="12"/>
           </p:nvPr>
@@ -12726,6 +12976,7 @@
             </a:pPr>
             <a:fld id="{00000000-1234-1234-1234-123412341234}" type="slidenum">
               <a:rPr lang="en-US"/>
+              <a:t>‹#›</a:t>
             </a:fld>
             <a:endParaRPr lang="en-US"/>
           </a:p>
@@ -12734,7 +12985,9 @@
       <p:sp>
         <p:nvSpPr>
           <p:cNvPr id="27" name="Google Shape;27;p25"/>
-          <p:cNvSpPr txBox="1"/>
+          <p:cNvSpPr txBox="1">
+            <a:spLocks noGrp="1"/>
+          </p:cNvSpPr>
           <p:nvPr>
             <p:ph type="title"/>
           </p:nvPr>
@@ -12872,13 +13125,17 @@
               <a:defRPr sz="1800"/>
             </a:lvl9pPr>
           </a:lstStyle>
-          <a:p/>
+          <a:p>
+            <a:endParaRPr/>
+          </a:p>
         </p:txBody>
       </p:sp>
       <p:sp>
         <p:nvSpPr>
           <p:cNvPr id="28" name="Google Shape;28;p25"/>
-          <p:cNvSpPr txBox="1"/>
+          <p:cNvSpPr txBox="1">
+            <a:spLocks noGrp="1"/>
+          </p:cNvSpPr>
           <p:nvPr>
             <p:ph type="body" idx="1"/>
           </p:nvPr>
@@ -13136,7 +13393,9 @@
               </a:defRPr>
             </a:lvl9pPr>
           </a:lstStyle>
-          <a:p/>
+          <a:p>
+            <a:endParaRPr/>
+          </a:p>
         </p:txBody>
       </p:sp>
     </p:spTree>
@@ -13853,7 +14112,7 @@
   <p:cSld>
     <p:spTree>
       <p:nvGrpSpPr>
-        <p:cNvPr id="101" name="Shape 101"/>
+        <p:cNvPr id="1" name="Shape 101"/>
         <p:cNvGrpSpPr/>
         <p:nvPr/>
       </p:nvGrpSpPr>
@@ -13868,7 +14127,9 @@
       <p:sp>
         <p:nvSpPr>
           <p:cNvPr id="102" name="Google Shape;102;p1"/>
-          <p:cNvSpPr txBox="1"/>
+          <p:cNvSpPr txBox="1">
+            <a:spLocks noGrp="1"/>
+          </p:cNvSpPr>
           <p:nvPr>
             <p:ph type="ctrTitle"/>
           </p:nvPr>
@@ -13913,14 +14174,15 @@
               <a:rPr lang="en-US"/>
               <a:t>Generics</a:t>
             </a:r>
-            <a:endParaRPr lang="en-US"/>
           </a:p>
         </p:txBody>
       </p:sp>
       <p:sp>
         <p:nvSpPr>
           <p:cNvPr id="103" name="Google Shape;103;p1"/>
-          <p:cNvSpPr txBox="1"/>
+          <p:cNvSpPr txBox="1">
+            <a:spLocks noGrp="1"/>
+          </p:cNvSpPr>
           <p:nvPr>
             <p:ph type="subTitle" idx="1"/>
           </p:nvPr>
@@ -13961,7 +14223,6 @@
               <a:rPr lang="en-US"/>
               <a:t>Jenerikler</a:t>
             </a:r>
-            <a:endParaRPr lang="en-US"/>
           </a:p>
         </p:txBody>
       </p:sp>
@@ -13978,7 +14239,7 @@
   <p:cSld>
     <p:spTree>
       <p:nvGrpSpPr>
-        <p:cNvPr id="157" name="Shape 157"/>
+        <p:cNvPr id="1" name="Shape 157"/>
         <p:cNvGrpSpPr/>
         <p:nvPr/>
       </p:nvGrpSpPr>
@@ -13993,7 +14254,9 @@
       <p:sp>
         <p:nvSpPr>
           <p:cNvPr id="158" name="Google Shape;158;p10"/>
-          <p:cNvSpPr txBox="1"/>
+          <p:cNvSpPr txBox="1">
+            <a:spLocks noGrp="1"/>
+          </p:cNvSpPr>
           <p:nvPr>
             <p:ph type="title"/>
           </p:nvPr>
@@ -14038,20 +14301,21 @@
               <a:rPr lang="en-US"/>
               <a:t>Sınıflandırılmış Jenerikler</a:t>
             </a:r>
-            <a:endParaRPr lang="en-US"/>
           </a:p>
         </p:txBody>
       </p:sp>
       <p:pic>
         <p:nvPicPr>
           <p:cNvPr id="159" name="Google Shape;159;p10" descr="metin içeren bir resim&#10;&#10;Açıklama otomatik olarak oluşturuldu"/>
-          <p:cNvPicPr preferRelativeResize="0"/>
+          <p:cNvPicPr preferRelativeResize="0">
+            <a:picLocks noGrp="1"/>
+          </p:cNvPicPr>
           <p:nvPr>
             <p:ph type="body" idx="1"/>
           </p:nvPr>
         </p:nvPicPr>
         <p:blipFill rotWithShape="1">
-          <a:blip r:embed="rId1"/>
+          <a:blip r:embed="rId3"/>
           <a:srcRect/>
           <a:stretch>
             <a:fillRect/>
@@ -14084,7 +14348,7 @@
   <p:cSld>
     <p:spTree>
       <p:nvGrpSpPr>
-        <p:cNvPr id="163" name="Shape 163"/>
+        <p:cNvPr id="1" name="Shape 163"/>
         <p:cNvGrpSpPr/>
         <p:nvPr/>
       </p:nvGrpSpPr>
@@ -14099,7 +14363,9 @@
       <p:sp>
         <p:nvSpPr>
           <p:cNvPr id="164" name="Google Shape;164;p11"/>
-          <p:cNvSpPr txBox="1"/>
+          <p:cNvSpPr txBox="1">
+            <a:spLocks noGrp="1"/>
+          </p:cNvSpPr>
           <p:nvPr>
             <p:ph type="title"/>
           </p:nvPr>
@@ -14144,14 +14410,15 @@
               <a:rPr lang="en-US"/>
               <a:t>Wildcard argüman</a:t>
             </a:r>
-            <a:endParaRPr lang="en-US"/>
           </a:p>
         </p:txBody>
       </p:sp>
       <p:sp>
         <p:nvSpPr>
           <p:cNvPr id="165" name="Google Shape;165;p11"/>
-          <p:cNvSpPr txBox="1"/>
+          <p:cNvSpPr txBox="1">
+            <a:spLocks noGrp="1"/>
+          </p:cNvSpPr>
           <p:nvPr>
             <p:ph type="body" idx="1"/>
           </p:nvPr>
@@ -14192,7 +14459,6 @@
               <a:rPr lang="en-US"/>
               <a:t>Daha önceki konuda gördüğümüz tek tipte tip argümanı kullanmak type safety için oldukça faydalı. Fakat özellik bizi tek tipte veri üzerinde işlem yapmaya zorluyor. Bazen farklı veri tipleri üzerinde işlem yapmak da gerekebilir, örneğin bir double değer ile bir float değeri karşılaştırmak gibi. Bu gibi durumlarda wildcard ? ifadesini kullanabiliriz.</a:t>
             </a:r>
-            <a:endParaRPr lang="en-US"/>
           </a:p>
           <a:p>
             <a:pPr marL="228600" lvl="0" indent="-228600" algn="l" rtl="0">
@@ -14212,7 +14478,6 @@
               <a:rPr lang="en-US"/>
               <a:t>Daha önce gördüğümüz NumericOperation sınıfına iki sayısal değişkenin mutlak değerlerini karşılaştıran ve sonucunu dönen bir metod ekleyelim. Bu metod tüm Number sınıfından türeyen değerleri karşılaştırabilsin.</a:t>
             </a:r>
-            <a:endParaRPr lang="en-US"/>
           </a:p>
         </p:txBody>
       </p:sp>
@@ -14229,7 +14494,7 @@
   <p:cSld>
     <p:spTree>
       <p:nvGrpSpPr>
-        <p:cNvPr id="169" name="Shape 169"/>
+        <p:cNvPr id="1" name="Shape 169"/>
         <p:cNvGrpSpPr/>
         <p:nvPr/>
       </p:nvGrpSpPr>
@@ -14244,7 +14509,9 @@
       <p:sp>
         <p:nvSpPr>
           <p:cNvPr id="170" name="Google Shape;170;p12"/>
-          <p:cNvSpPr txBox="1"/>
+          <p:cNvSpPr txBox="1">
+            <a:spLocks noGrp="1"/>
+          </p:cNvSpPr>
           <p:nvPr>
             <p:ph type="title"/>
           </p:nvPr>
@@ -14289,20 +14556,21 @@
               <a:rPr lang="en-US"/>
               <a:t>Wildcard Argüman</a:t>
             </a:r>
-            <a:endParaRPr lang="en-US"/>
           </a:p>
         </p:txBody>
       </p:sp>
       <p:pic>
         <p:nvPicPr>
           <p:cNvPr id="171" name="Google Shape;171;p12"/>
-          <p:cNvPicPr preferRelativeResize="0"/>
+          <p:cNvPicPr preferRelativeResize="0">
+            <a:picLocks noGrp="1"/>
+          </p:cNvPicPr>
           <p:nvPr>
             <p:ph type="body" idx="1"/>
           </p:nvPr>
         </p:nvPicPr>
         <p:blipFill rotWithShape="1">
-          <a:blip r:embed="rId1"/>
+          <a:blip r:embed="rId3"/>
           <a:srcRect/>
           <a:stretch>
             <a:fillRect/>
@@ -14335,7 +14603,7 @@
   <p:cSld>
     <p:spTree>
       <p:nvGrpSpPr>
-        <p:cNvPr id="175" name="Shape 175"/>
+        <p:cNvPr id="1" name="Shape 175"/>
         <p:cNvGrpSpPr/>
         <p:nvPr/>
       </p:nvGrpSpPr>
@@ -14350,7 +14618,9 @@
       <p:sp>
         <p:nvSpPr>
           <p:cNvPr id="176" name="Google Shape;176;p13"/>
-          <p:cNvSpPr txBox="1"/>
+          <p:cNvSpPr txBox="1">
+            <a:spLocks noGrp="1"/>
+          </p:cNvSpPr>
           <p:nvPr>
             <p:ph type="title"/>
           </p:nvPr>
@@ -14395,20 +14665,21 @@
               <a:rPr lang="en-US"/>
               <a:t>Wildcard Argüman</a:t>
             </a:r>
-            <a:endParaRPr lang="en-US"/>
           </a:p>
         </p:txBody>
       </p:sp>
       <p:pic>
         <p:nvPicPr>
           <p:cNvPr id="177" name="Google Shape;177;p13"/>
-          <p:cNvPicPr preferRelativeResize="0"/>
+          <p:cNvPicPr preferRelativeResize="0">
+            <a:picLocks noGrp="1"/>
+          </p:cNvPicPr>
           <p:nvPr>
             <p:ph type="body" idx="1"/>
           </p:nvPr>
         </p:nvPicPr>
         <p:blipFill rotWithShape="1">
-          <a:blip r:embed="rId1"/>
+          <a:blip r:embed="rId3"/>
           <a:srcRect/>
           <a:stretch>
             <a:fillRect/>
@@ -14441,7 +14712,7 @@
   <p:cSld>
     <p:spTree>
       <p:nvGrpSpPr>
-        <p:cNvPr id="181" name="Shape 181"/>
+        <p:cNvPr id="1" name="Shape 189"/>
         <p:cNvGrpSpPr/>
         <p:nvPr/>
       </p:nvGrpSpPr>
@@ -14455,8 +14726,291 @@
       </p:grpSpPr>
       <p:sp>
         <p:nvSpPr>
-          <p:cNvPr id="182" name="Google Shape;182;p14"/>
-          <p:cNvSpPr txBox="1"/>
+          <p:cNvPr id="190" name="Google Shape;190;p15"/>
+          <p:cNvSpPr txBox="1">
+            <a:spLocks noGrp="1"/>
+          </p:cNvSpPr>
+          <p:nvPr>
+            <p:ph type="ctrTitle"/>
+          </p:nvPr>
+        </p:nvSpPr>
+        <p:spPr>
+          <a:xfrm>
+            <a:off x="1524000" y="1122363"/>
+            <a:ext cx="9144000" cy="2387600"/>
+          </a:xfrm>
+          <a:prstGeom prst="rect">
+            <a:avLst/>
+          </a:prstGeom>
+          <a:noFill/>
+          <a:ln>
+            <a:noFill/>
+          </a:ln>
+        </p:spPr>
+        <p:txBody>
+          <a:bodyPr spcFirstLastPara="1" wrap="square" lIns="91425" tIns="45700" rIns="91425" bIns="45700" anchor="b" anchorCtr="0">
+            <a:normAutofit/>
+          </a:bodyPr>
+          <a:lstStyle/>
+          <a:p>
+            <a:pPr marL="0" lvl="0" indent="0" algn="ctr" rtl="0">
+              <a:lnSpc>
+                <a:spcPct val="90000"/>
+              </a:lnSpc>
+              <a:spcBef>
+                <a:spcPts val="0"/>
+              </a:spcBef>
+              <a:spcAft>
+                <a:spcPts val="0"/>
+              </a:spcAft>
+              <a:buClr>
+                <a:schemeClr val="dk2"/>
+              </a:buClr>
+              <a:buSzPts val="5400"/>
+              <a:buFont typeface="Gill Sans" panose="020B0502020104020203"/>
+              <a:buNone/>
+            </a:pPr>
+            <a:r>
+              <a:rPr lang="en-US"/>
+              <a:t>Jenerik Metotlar</a:t>
+            </a:r>
+          </a:p>
+        </p:txBody>
+      </p:sp>
+      <p:sp>
+        <p:nvSpPr>
+          <p:cNvPr id="191" name="Google Shape;191;p15"/>
+          <p:cNvSpPr txBox="1">
+            <a:spLocks noGrp="1"/>
+          </p:cNvSpPr>
+          <p:nvPr>
+            <p:ph type="subTitle" idx="1"/>
+          </p:nvPr>
+        </p:nvSpPr>
+        <p:spPr>
+          <a:xfrm>
+            <a:off x="1524000" y="3602038"/>
+            <a:ext cx="9144000" cy="1655762"/>
+          </a:xfrm>
+          <a:prstGeom prst="rect">
+            <a:avLst/>
+          </a:prstGeom>
+          <a:noFill/>
+          <a:ln>
+            <a:noFill/>
+          </a:ln>
+        </p:spPr>
+        <p:txBody>
+          <a:bodyPr spcFirstLastPara="1" wrap="square" lIns="91425" tIns="45700" rIns="91425" bIns="45700" anchor="t" anchorCtr="0">
+            <a:normAutofit/>
+          </a:bodyPr>
+          <a:lstStyle/>
+          <a:p>
+            <a:pPr marL="0" lvl="0" indent="0" algn="ctr" rtl="0">
+              <a:lnSpc>
+                <a:spcPct val="90000"/>
+              </a:lnSpc>
+              <a:spcBef>
+                <a:spcPts val="0"/>
+              </a:spcBef>
+              <a:spcAft>
+                <a:spcPts val="0"/>
+              </a:spcAft>
+              <a:buSzPts val="2200"/>
+              <a:buNone/>
+            </a:pPr>
+            <a:r>
+              <a:rPr lang="en-US" sz="2200"/>
+              <a:t>Jenerik tip parametresinin sınıflara nasıl uygulandığını görmüştük. Bir sınıf jenerik parametre alırsa otomatikman sınıf içinde yeralan tüm metodlar bu jenerik tip üzerinde işlem yapabilme imkanına sahip oluyor. Bazen jenerik tipleri sadece belli metodlar üzerinde kullanmak gerekebilir. Bunun için metodun bulunduğu sınıfın tamamen jenerik olması gerekmez.</a:t>
+            </a:r>
+          </a:p>
+        </p:txBody>
+      </p:sp>
+    </p:spTree>
+  </p:cSld>
+  <p:clrMapOvr>
+    <a:masterClrMapping/>
+  </p:clrMapOvr>
+</p:sld>
+</file>
+
+<file path=ppt/slides/slide15.xml><?xml version="1.0" encoding="utf-8"?>
+<p:sld xmlns:a="http://schemas.openxmlformats.org/drawingml/2006/main" xmlns:r="http://schemas.openxmlformats.org/officeDocument/2006/relationships" xmlns:p="http://schemas.openxmlformats.org/presentationml/2006/main">
+  <p:cSld>
+    <p:spTree>
+      <p:nvGrpSpPr>
+        <p:cNvPr id="1" name="Shape 195"/>
+        <p:cNvGrpSpPr/>
+        <p:nvPr/>
+      </p:nvGrpSpPr>
+      <p:grpSpPr>
+        <a:xfrm>
+          <a:off x="0" y="0"/>
+          <a:ext cx="0" cy="0"/>
+          <a:chOff x="0" y="0"/>
+          <a:chExt cx="0" cy="0"/>
+        </a:xfrm>
+      </p:grpSpPr>
+      <p:sp>
+        <p:nvSpPr>
+          <p:cNvPr id="196" name="Google Shape;196;p16"/>
+          <p:cNvSpPr txBox="1">
+            <a:spLocks noGrp="1"/>
+          </p:cNvSpPr>
+          <p:nvPr>
+            <p:ph type="title"/>
+          </p:nvPr>
+        </p:nvSpPr>
+        <p:spPr>
+          <a:xfrm>
+            <a:off x="777240" y="457200"/>
+            <a:ext cx="3994785" cy="2501900"/>
+          </a:xfrm>
+          <a:prstGeom prst="rect">
+            <a:avLst/>
+          </a:prstGeom>
+          <a:noFill/>
+          <a:ln>
+            <a:noFill/>
+          </a:ln>
+        </p:spPr>
+        <p:txBody>
+          <a:bodyPr spcFirstLastPara="1" wrap="square" lIns="91425" tIns="45700" rIns="91425" bIns="45700" anchor="b" anchorCtr="0">
+            <a:normAutofit/>
+          </a:bodyPr>
+          <a:lstStyle/>
+          <a:p>
+            <a:pPr marL="0" lvl="0" indent="0" algn="l" rtl="0">
+              <a:lnSpc>
+                <a:spcPct val="90000"/>
+              </a:lnSpc>
+              <a:spcBef>
+                <a:spcPts val="0"/>
+              </a:spcBef>
+              <a:spcAft>
+                <a:spcPts val="0"/>
+              </a:spcAft>
+              <a:buClr>
+                <a:schemeClr val="dk2"/>
+              </a:buClr>
+              <a:buSzPts val="4000"/>
+              <a:buFont typeface="Gill Sans" panose="020B0502020104020203"/>
+              <a:buNone/>
+            </a:pPr>
+            <a:r>
+              <a:rPr lang="en-US"/>
+              <a:t>Jenerik Metotlar</a:t>
+            </a:r>
+          </a:p>
+        </p:txBody>
+      </p:sp>
+      <p:pic>
+        <p:nvPicPr>
+          <p:cNvPr id="197" name="Google Shape;197;p16" descr="metin içeren bir resim&#10;&#10;Açıklama otomatik olarak oluşturuldu"/>
+          <p:cNvPicPr preferRelativeResize="0"/>
+          <p:nvPr/>
+        </p:nvPicPr>
+        <p:blipFill rotWithShape="1">
+          <a:blip r:embed="rId3"/>
+          <a:srcRect/>
+          <a:stretch>
+            <a:fillRect/>
+          </a:stretch>
+        </p:blipFill>
+        <p:spPr>
+          <a:xfrm>
+            <a:off x="5183188" y="1924686"/>
+            <a:ext cx="6172200" cy="2468880"/>
+          </a:xfrm>
+          <a:prstGeom prst="rect">
+            <a:avLst/>
+          </a:prstGeom>
+          <a:noFill/>
+          <a:ln>
+            <a:noFill/>
+          </a:ln>
+        </p:spPr>
+      </p:pic>
+      <p:sp>
+        <p:nvSpPr>
+          <p:cNvPr id="198" name="Google Shape;198;p16"/>
+          <p:cNvSpPr txBox="1">
+            <a:spLocks noGrp="1"/>
+          </p:cNvSpPr>
+          <p:nvPr>
+            <p:ph type="body" idx="2"/>
+          </p:nvPr>
+        </p:nvSpPr>
+        <p:spPr>
+          <a:xfrm>
+            <a:off x="777240" y="3092450"/>
+            <a:ext cx="3994785" cy="2776537"/>
+          </a:xfrm>
+          <a:prstGeom prst="rect">
+            <a:avLst/>
+          </a:prstGeom>
+          <a:noFill/>
+          <a:ln>
+            <a:noFill/>
+          </a:ln>
+        </p:spPr>
+        <p:txBody>
+          <a:bodyPr spcFirstLastPara="1" wrap="square" lIns="91425" tIns="45700" rIns="91425" bIns="45700" anchor="t" anchorCtr="0">
+            <a:normAutofit/>
+          </a:bodyPr>
+          <a:lstStyle/>
+          <a:p>
+            <a:pPr marL="0" lvl="0" indent="0" algn="l" rtl="0">
+              <a:lnSpc>
+                <a:spcPct val="90000"/>
+              </a:lnSpc>
+              <a:spcBef>
+                <a:spcPts val="0"/>
+              </a:spcBef>
+              <a:spcAft>
+                <a:spcPts val="0"/>
+              </a:spcAft>
+              <a:buSzPts val="2000"/>
+              <a:buNone/>
+            </a:pPr>
+            <a:r>
+              <a:rPr lang="en-US" b="0" i="0"/>
+              <a:t>Örneğin jenerik olmayan bir sınıfta jenerik bir metodun nasıl yer alabileceğine bir bakalım. Bunun için iki arrayi karşılaştıran bir örnek yapalım;</a:t>
+            </a:r>
+          </a:p>
+        </p:txBody>
+      </p:sp>
+    </p:spTree>
+  </p:cSld>
+  <p:clrMapOvr>
+    <a:masterClrMapping/>
+  </p:clrMapOvr>
+</p:sld>
+</file>
+
+<file path=ppt/slides/slide16.xml><?xml version="1.0" encoding="utf-8"?>
+<p:sld xmlns:a="http://schemas.openxmlformats.org/drawingml/2006/main" xmlns:r="http://schemas.openxmlformats.org/officeDocument/2006/relationships" xmlns:p="http://schemas.openxmlformats.org/presentationml/2006/main">
+  <p:cSld>
+    <p:spTree>
+      <p:nvGrpSpPr>
+        <p:cNvPr id="1" name="Shape 202"/>
+        <p:cNvGrpSpPr/>
+        <p:nvPr/>
+      </p:nvGrpSpPr>
+      <p:grpSpPr>
+        <a:xfrm>
+          <a:off x="0" y="0"/>
+          <a:ext cx="0" cy="0"/>
+          <a:chOff x="0" y="0"/>
+          <a:chExt cx="0" cy="0"/>
+        </a:xfrm>
+      </p:grpSpPr>
+      <p:sp>
+        <p:nvSpPr>
+          <p:cNvPr id="203" name="Google Shape;203;p17"/>
+          <p:cNvSpPr txBox="1">
+            <a:spLocks noGrp="1"/>
+          </p:cNvSpPr>
           <p:nvPr>
             <p:ph type="title"/>
           </p:nvPr>
@@ -14499,509 +15053,23 @@
             </a:pPr>
             <a:r>
               <a:rPr lang="en-US"/>
-              <a:t>Wildcard Argüman</a:t>
-            </a:r>
-            <a:endParaRPr lang="en-US"/>
-          </a:p>
-        </p:txBody>
-      </p:sp>
-      <p:sp>
-        <p:nvSpPr>
-          <p:cNvPr id="183" name="Google Shape;183;p14"/>
-          <p:cNvSpPr txBox="1"/>
-          <p:nvPr>
-            <p:ph type="body" idx="1"/>
-          </p:nvPr>
-        </p:nvSpPr>
-        <p:spPr>
-          <a:xfrm>
-            <a:off x="777240" y="1825625"/>
-            <a:ext cx="10659110" cy="4351338"/>
-          </a:xfrm>
-          <a:prstGeom prst="rect">
-            <a:avLst/>
-          </a:prstGeom>
-          <a:noFill/>
-          <a:ln>
-            <a:noFill/>
-          </a:ln>
-        </p:spPr>
-        <p:txBody>
-          <a:bodyPr spcFirstLastPara="1" wrap="square" lIns="91425" tIns="45700" rIns="91425" bIns="45700" anchor="t" anchorCtr="0">
-            <a:normAutofit/>
-          </a:bodyPr>
-          <a:lstStyle/>
-          <a:p>
-            <a:pPr marL="228600" lvl="0" indent="-228600" algn="l" rtl="0">
-              <a:lnSpc>
-                <a:spcPct val="90000"/>
-              </a:lnSpc>
-              <a:spcBef>
-                <a:spcPts val="0"/>
-              </a:spcBef>
-              <a:spcAft>
-                <a:spcPts val="0"/>
-              </a:spcAft>
-              <a:buSzPts val="2000"/>
-              <a:buChar char="•"/>
-            </a:pPr>
-            <a:r>
-              <a:rPr lang="en-US"/>
-              <a:t>Bu örnekte görüldüğü gibi wildcard ifadesini metod argümanı olarak kullanabildiğimiz gibi sınıf seviyesinde sınırlandırılmış jenerik yapımında da kullanabiliriz. Bunun daha önce yaptığımız sınırlandırılmış jenerik kullanımından hiç bir farkı yok, T yerine wildcard ifadesini kullanıyoruz.</a:t>
-            </a:r>
-            <a:endParaRPr lang="en-US"/>
-          </a:p>
-        </p:txBody>
-      </p:sp>
-      <p:pic>
-        <p:nvPicPr>
-          <p:cNvPr id="184" name="Google Shape;184;p14"/>
-          <p:cNvPicPr preferRelativeResize="0"/>
-          <p:nvPr/>
-        </p:nvPicPr>
-        <p:blipFill rotWithShape="1">
-          <a:blip r:embed="rId1"/>
-          <a:srcRect/>
-          <a:stretch>
-            <a:fillRect/>
-          </a:stretch>
-        </p:blipFill>
-        <p:spPr>
-          <a:xfrm>
-            <a:off x="1093659" y="3429000"/>
-            <a:ext cx="10004681" cy="1569773"/>
-          </a:xfrm>
-          <a:prstGeom prst="rect">
-            <a:avLst/>
-          </a:prstGeom>
-          <a:noFill/>
-          <a:ln>
-            <a:noFill/>
-          </a:ln>
-        </p:spPr>
-      </p:pic>
-      <p:sp>
-        <p:nvSpPr>
-          <p:cNvPr id="185" name="Google Shape;185;p14"/>
-          <p:cNvSpPr txBox="1"/>
-          <p:nvPr/>
-        </p:nvSpPr>
-        <p:spPr>
-          <a:xfrm>
-            <a:off x="777240" y="5403202"/>
-            <a:ext cx="8684685" cy="369332"/>
-          </a:xfrm>
-          <a:prstGeom prst="rect">
-            <a:avLst/>
-          </a:prstGeom>
-          <a:noFill/>
-          <a:ln>
-            <a:noFill/>
-          </a:ln>
-        </p:spPr>
-        <p:txBody>
-          <a:bodyPr spcFirstLastPara="1" wrap="square" lIns="91425" tIns="45700" rIns="91425" bIns="45700" anchor="t" anchorCtr="0">
-            <a:spAutoFit/>
-          </a:bodyPr>
-          <a:lstStyle/>
-          <a:p>
-            <a:pPr marL="0" marR="0" lvl="0" indent="0" algn="l" rtl="0">
-              <a:spcBef>
-                <a:spcPts val="0"/>
-              </a:spcBef>
-              <a:spcAft>
-                <a:spcPts val="0"/>
-              </a:spcAft>
-              <a:buNone/>
-            </a:pPr>
-            <a:r>
-              <a:rPr lang="en-US" sz="1800" b="0" i="0" u="none" strike="noStrike" cap="none">
-                <a:solidFill>
-                  <a:schemeClr val="dk1"/>
-                </a:solidFill>
-                <a:latin typeface="Calibri" panose="020F0502020204030204"/>
-                <a:ea typeface="Calibri" panose="020F0502020204030204"/>
-                <a:cs typeface="Calibri" panose="020F0502020204030204"/>
-                <a:sym typeface="Calibri" panose="020F0502020204030204"/>
-              </a:rPr>
-              <a:t>Böylece jenerik sınıfımızda süper sınıftan türemiş tüm veri tipleri üzerinde işlem yapabiliriz.</a:t>
-            </a:r>
-            <a:endParaRPr lang="en-US" sz="1800" b="0" i="0" u="none" strike="noStrike" cap="none">
-              <a:solidFill>
-                <a:schemeClr val="dk1"/>
-              </a:solidFill>
-              <a:latin typeface="Calibri" panose="020F0502020204030204"/>
-              <a:ea typeface="Calibri" panose="020F0502020204030204"/>
-              <a:cs typeface="Calibri" panose="020F0502020204030204"/>
-              <a:sym typeface="Calibri" panose="020F0502020204030204"/>
-            </a:endParaRPr>
-          </a:p>
-        </p:txBody>
-      </p:sp>
-    </p:spTree>
-  </p:cSld>
-  <p:clrMapOvr>
-    <a:masterClrMapping/>
-  </p:clrMapOvr>
-</p:sld>
-</file>
-
-<file path=ppt/slides/slide15.xml><?xml version="1.0" encoding="utf-8"?>
-<p:sld xmlns:a="http://schemas.openxmlformats.org/drawingml/2006/main" xmlns:r="http://schemas.openxmlformats.org/officeDocument/2006/relationships" xmlns:p="http://schemas.openxmlformats.org/presentationml/2006/main">
-  <p:cSld>
-    <p:spTree>
-      <p:nvGrpSpPr>
-        <p:cNvPr id="189" name="Shape 189"/>
-        <p:cNvGrpSpPr/>
-        <p:nvPr/>
-      </p:nvGrpSpPr>
-      <p:grpSpPr>
-        <a:xfrm>
-          <a:off x="0" y="0"/>
-          <a:ext cx="0" cy="0"/>
-          <a:chOff x="0" y="0"/>
-          <a:chExt cx="0" cy="0"/>
-        </a:xfrm>
-      </p:grpSpPr>
-      <p:sp>
-        <p:nvSpPr>
-          <p:cNvPr id="190" name="Google Shape;190;p15"/>
-          <p:cNvSpPr txBox="1"/>
-          <p:nvPr>
-            <p:ph type="ctrTitle"/>
-          </p:nvPr>
-        </p:nvSpPr>
-        <p:spPr>
-          <a:xfrm>
-            <a:off x="1524000" y="1122363"/>
-            <a:ext cx="9144000" cy="2387600"/>
-          </a:xfrm>
-          <a:prstGeom prst="rect">
-            <a:avLst/>
-          </a:prstGeom>
-          <a:noFill/>
-          <a:ln>
-            <a:noFill/>
-          </a:ln>
-        </p:spPr>
-        <p:txBody>
-          <a:bodyPr spcFirstLastPara="1" wrap="square" lIns="91425" tIns="45700" rIns="91425" bIns="45700" anchor="b" anchorCtr="0">
-            <a:normAutofit/>
-          </a:bodyPr>
-          <a:lstStyle/>
-          <a:p>
-            <a:pPr marL="0" lvl="0" indent="0" algn="ctr" rtl="0">
-              <a:lnSpc>
-                <a:spcPct val="90000"/>
-              </a:lnSpc>
-              <a:spcBef>
-                <a:spcPts val="0"/>
-              </a:spcBef>
-              <a:spcAft>
-                <a:spcPts val="0"/>
-              </a:spcAft>
-              <a:buClr>
-                <a:schemeClr val="dk2"/>
-              </a:buClr>
-              <a:buSzPts val="5400"/>
-              <a:buFont typeface="Gill Sans" panose="020B0502020104020203"/>
-              <a:buNone/>
-            </a:pPr>
-            <a:r>
-              <a:rPr lang="en-US"/>
               <a:t>Jenerik Metotlar</a:t>
             </a:r>
-            <a:endParaRPr lang="en-US"/>
-          </a:p>
-        </p:txBody>
-      </p:sp>
-      <p:sp>
-        <p:nvSpPr>
-          <p:cNvPr id="191" name="Google Shape;191;p15"/>
-          <p:cNvSpPr txBox="1"/>
-          <p:nvPr>
-            <p:ph type="subTitle" idx="1"/>
-          </p:nvPr>
-        </p:nvSpPr>
-        <p:spPr>
-          <a:xfrm>
-            <a:off x="1524000" y="3602038"/>
-            <a:ext cx="9144000" cy="1655762"/>
-          </a:xfrm>
-          <a:prstGeom prst="rect">
-            <a:avLst/>
-          </a:prstGeom>
-          <a:noFill/>
-          <a:ln>
-            <a:noFill/>
-          </a:ln>
-        </p:spPr>
-        <p:txBody>
-          <a:bodyPr spcFirstLastPara="1" wrap="square" lIns="91425" tIns="45700" rIns="91425" bIns="45700" anchor="t" anchorCtr="0">
-            <a:normAutofit/>
-          </a:bodyPr>
-          <a:lstStyle/>
-          <a:p>
-            <a:pPr marL="0" lvl="0" indent="0" algn="ctr" rtl="0">
-              <a:lnSpc>
-                <a:spcPct val="90000"/>
-              </a:lnSpc>
-              <a:spcBef>
-                <a:spcPts val="0"/>
-              </a:spcBef>
-              <a:spcAft>
-                <a:spcPts val="0"/>
-              </a:spcAft>
-              <a:buSzPts val="2200"/>
-              <a:buNone/>
-            </a:pPr>
-            <a:r>
-              <a:rPr lang="en-US" sz="2200"/>
-              <a:t>Jenerik tip parametresinin sınıflara nasıl uygulandığını görmüştük. Bir sınıf jenerik parametre alırsa otomatikman sınıf içinde yeralan tüm metodlar bu jenerik tip üzerinde işlem yapabilme imkanına sahip oluyor. Bazen jenerik tipleri sadece belli metodlar üzerinde kullanmak gerekebilir. Bunun için metodun bulunduğu sınıfın tamamen jenerik olması gerekmez.</a:t>
-            </a:r>
-            <a:endParaRPr lang="en-US" sz="2200"/>
-          </a:p>
-        </p:txBody>
-      </p:sp>
-    </p:spTree>
-  </p:cSld>
-  <p:clrMapOvr>
-    <a:masterClrMapping/>
-  </p:clrMapOvr>
-</p:sld>
-</file>
-
-<file path=ppt/slides/slide16.xml><?xml version="1.0" encoding="utf-8"?>
-<p:sld xmlns:a="http://schemas.openxmlformats.org/drawingml/2006/main" xmlns:r="http://schemas.openxmlformats.org/officeDocument/2006/relationships" xmlns:p="http://schemas.openxmlformats.org/presentationml/2006/main">
-  <p:cSld>
-    <p:spTree>
-      <p:nvGrpSpPr>
-        <p:cNvPr id="195" name="Shape 195"/>
-        <p:cNvGrpSpPr/>
-        <p:nvPr/>
-      </p:nvGrpSpPr>
-      <p:grpSpPr>
-        <a:xfrm>
-          <a:off x="0" y="0"/>
-          <a:ext cx="0" cy="0"/>
-          <a:chOff x="0" y="0"/>
-          <a:chExt cx="0" cy="0"/>
-        </a:xfrm>
-      </p:grpSpPr>
-      <p:sp>
-        <p:nvSpPr>
-          <p:cNvPr id="196" name="Google Shape;196;p16"/>
-          <p:cNvSpPr txBox="1"/>
-          <p:nvPr>
-            <p:ph type="title"/>
-          </p:nvPr>
-        </p:nvSpPr>
-        <p:spPr>
-          <a:xfrm>
-            <a:off x="777240" y="457200"/>
-            <a:ext cx="3994785" cy="2501900"/>
-          </a:xfrm>
-          <a:prstGeom prst="rect">
-            <a:avLst/>
-          </a:prstGeom>
-          <a:noFill/>
-          <a:ln>
-            <a:noFill/>
-          </a:ln>
-        </p:spPr>
-        <p:txBody>
-          <a:bodyPr spcFirstLastPara="1" wrap="square" lIns="91425" tIns="45700" rIns="91425" bIns="45700" anchor="b" anchorCtr="0">
-            <a:normAutofit/>
-          </a:bodyPr>
-          <a:lstStyle/>
-          <a:p>
-            <a:pPr marL="0" lvl="0" indent="0" algn="l" rtl="0">
-              <a:lnSpc>
-                <a:spcPct val="90000"/>
-              </a:lnSpc>
-              <a:spcBef>
-                <a:spcPts val="0"/>
-              </a:spcBef>
-              <a:spcAft>
-                <a:spcPts val="0"/>
-              </a:spcAft>
-              <a:buClr>
-                <a:schemeClr val="dk2"/>
-              </a:buClr>
-              <a:buSzPts val="4000"/>
-              <a:buFont typeface="Gill Sans" panose="020B0502020104020203"/>
-              <a:buNone/>
-            </a:pPr>
-            <a:r>
-              <a:rPr lang="en-US"/>
-              <a:t>Jenerik Metotlar</a:t>
-            </a:r>
-            <a:endParaRPr lang="en-US"/>
-          </a:p>
-        </p:txBody>
-      </p:sp>
-      <p:pic>
-        <p:nvPicPr>
-          <p:cNvPr id="197" name="Google Shape;197;p16" descr="metin içeren bir resim&#10;&#10;Açıklama otomatik olarak oluşturuldu"/>
-          <p:cNvPicPr preferRelativeResize="0"/>
-          <p:nvPr/>
-        </p:nvPicPr>
-        <p:blipFill rotWithShape="1">
-          <a:blip r:embed="rId1"/>
-          <a:srcRect/>
-          <a:stretch>
-            <a:fillRect/>
-          </a:stretch>
-        </p:blipFill>
-        <p:spPr>
-          <a:xfrm>
-            <a:off x="5183188" y="1924686"/>
-            <a:ext cx="6172200" cy="2468880"/>
-          </a:xfrm>
-          <a:prstGeom prst="rect">
-            <a:avLst/>
-          </a:prstGeom>
-          <a:noFill/>
-          <a:ln>
-            <a:noFill/>
-          </a:ln>
-        </p:spPr>
-      </p:pic>
-      <p:sp>
-        <p:nvSpPr>
-          <p:cNvPr id="198" name="Google Shape;198;p16"/>
-          <p:cNvSpPr txBox="1"/>
-          <p:nvPr>
-            <p:ph type="body" idx="2"/>
-          </p:nvPr>
-        </p:nvSpPr>
-        <p:spPr>
-          <a:xfrm>
-            <a:off x="777240" y="3092450"/>
-            <a:ext cx="3994785" cy="2776537"/>
-          </a:xfrm>
-          <a:prstGeom prst="rect">
-            <a:avLst/>
-          </a:prstGeom>
-          <a:noFill/>
-          <a:ln>
-            <a:noFill/>
-          </a:ln>
-        </p:spPr>
-        <p:txBody>
-          <a:bodyPr spcFirstLastPara="1" wrap="square" lIns="91425" tIns="45700" rIns="91425" bIns="45700" anchor="t" anchorCtr="0">
-            <a:normAutofit/>
-          </a:bodyPr>
-          <a:lstStyle/>
-          <a:p>
-            <a:pPr marL="0" lvl="0" indent="0" algn="l" rtl="0">
-              <a:lnSpc>
-                <a:spcPct val="90000"/>
-              </a:lnSpc>
-              <a:spcBef>
-                <a:spcPts val="0"/>
-              </a:spcBef>
-              <a:spcAft>
-                <a:spcPts val="0"/>
-              </a:spcAft>
-              <a:buSzPts val="2000"/>
-              <a:buNone/>
-            </a:pPr>
-            <a:r>
-              <a:rPr lang="en-US" b="0" i="0"/>
-              <a:t>Örneğin jenerik olmayan bir sınıfta jenerik bir metodun nasıl yer alabileceğine bir bakalım. Bunun için iki arrayi karşılaştıran bir örnek yapalım;</a:t>
-            </a:r>
-            <a:endParaRPr lang="en-US" b="0" i="0"/>
-          </a:p>
-        </p:txBody>
-      </p:sp>
-    </p:spTree>
-  </p:cSld>
-  <p:clrMapOvr>
-    <a:masterClrMapping/>
-  </p:clrMapOvr>
-</p:sld>
-</file>
-
-<file path=ppt/slides/slide17.xml><?xml version="1.0" encoding="utf-8"?>
-<p:sld xmlns:a="http://schemas.openxmlformats.org/drawingml/2006/main" xmlns:r="http://schemas.openxmlformats.org/officeDocument/2006/relationships" xmlns:p="http://schemas.openxmlformats.org/presentationml/2006/main">
-  <p:cSld>
-    <p:spTree>
-      <p:nvGrpSpPr>
-        <p:cNvPr id="202" name="Shape 202"/>
-        <p:cNvGrpSpPr/>
-        <p:nvPr/>
-      </p:nvGrpSpPr>
-      <p:grpSpPr>
-        <a:xfrm>
-          <a:off x="0" y="0"/>
-          <a:ext cx="0" cy="0"/>
-          <a:chOff x="0" y="0"/>
-          <a:chExt cx="0" cy="0"/>
-        </a:xfrm>
-      </p:grpSpPr>
-      <p:sp>
-        <p:nvSpPr>
-          <p:cNvPr id="203" name="Google Shape;203;p17"/>
-          <p:cNvSpPr txBox="1"/>
-          <p:nvPr>
-            <p:ph type="title"/>
-          </p:nvPr>
-        </p:nvSpPr>
-        <p:spPr>
-          <a:xfrm>
-            <a:off x="777240" y="365125"/>
-            <a:ext cx="10659110" cy="1325563"/>
-          </a:xfrm>
-          <a:prstGeom prst="rect">
-            <a:avLst/>
-          </a:prstGeom>
-          <a:noFill/>
-          <a:ln>
-            <a:noFill/>
-          </a:ln>
-        </p:spPr>
-        <p:txBody>
-          <a:bodyPr spcFirstLastPara="1" wrap="square" lIns="91425" tIns="45700" rIns="91425" bIns="45700" anchor="ctr" anchorCtr="0">
-            <a:normAutofit/>
-          </a:bodyPr>
-          <a:lstStyle/>
-          <a:p>
-            <a:pPr marL="0" lvl="0" indent="0" algn="l" rtl="0">
-              <a:lnSpc>
-                <a:spcPct val="90000"/>
-              </a:lnSpc>
-              <a:spcBef>
-                <a:spcPts val="0"/>
-              </a:spcBef>
-              <a:spcAft>
-                <a:spcPts val="0"/>
-              </a:spcAft>
-              <a:buClr>
-                <a:schemeClr val="dk2"/>
-              </a:buClr>
-              <a:buSzPts val="5400"/>
-              <a:buFont typeface="Gill Sans" panose="020B0502020104020203"/>
-              <a:buNone/>
-            </a:pPr>
-            <a:r>
-              <a:rPr lang="en-US"/>
-              <a:t>Jenerik Metotlar</a:t>
-            </a:r>
-            <a:endParaRPr lang="en-US"/>
           </a:p>
         </p:txBody>
       </p:sp>
       <p:pic>
         <p:nvPicPr>
           <p:cNvPr id="204" name="Google Shape;204;p17"/>
-          <p:cNvPicPr preferRelativeResize="0"/>
+          <p:cNvPicPr preferRelativeResize="0">
+            <a:picLocks noGrp="1"/>
+          </p:cNvPicPr>
           <p:nvPr>
             <p:ph type="body" idx="1"/>
           </p:nvPr>
         </p:nvPicPr>
         <p:blipFill rotWithShape="1">
-          <a:blip r:embed="rId1"/>
+          <a:blip r:embed="rId3"/>
           <a:srcRect/>
           <a:stretch>
             <a:fillRect/>
@@ -15029,12 +15097,12 @@
 </p:sld>
 </file>
 
-<file path=ppt/slides/slide18.xml><?xml version="1.0" encoding="utf-8"?>
+<file path=ppt/slides/slide17.xml><?xml version="1.0" encoding="utf-8"?>
 <p:sld xmlns:a="http://schemas.openxmlformats.org/drawingml/2006/main" xmlns:r="http://schemas.openxmlformats.org/officeDocument/2006/relationships" xmlns:p="http://schemas.openxmlformats.org/presentationml/2006/main">
   <p:cSld>
     <p:spTree>
       <p:nvGrpSpPr>
-        <p:cNvPr id="208" name="Shape 208"/>
+        <p:cNvPr id="1" name="Shape 208"/>
         <p:cNvGrpSpPr/>
         <p:nvPr/>
       </p:nvGrpSpPr>
@@ -15049,7 +15117,9 @@
       <p:sp>
         <p:nvSpPr>
           <p:cNvPr id="209" name="Google Shape;209;p18"/>
-          <p:cNvSpPr txBox="1"/>
+          <p:cNvSpPr txBox="1">
+            <a:spLocks noGrp="1"/>
+          </p:cNvSpPr>
           <p:nvPr>
             <p:ph type="title"/>
           </p:nvPr>
@@ -15094,14 +15164,15 @@
               <a:rPr lang="en-US"/>
               <a:t>Jenerik Metotlar</a:t>
             </a:r>
-            <a:endParaRPr lang="en-US"/>
           </a:p>
         </p:txBody>
       </p:sp>
       <p:sp>
         <p:nvSpPr>
           <p:cNvPr id="210" name="Google Shape;210;p18"/>
-          <p:cNvSpPr txBox="1"/>
+          <p:cNvSpPr txBox="1">
+            <a:spLocks noGrp="1"/>
+          </p:cNvSpPr>
           <p:nvPr>
             <p:ph type="body" idx="1"/>
           </p:nvPr>
@@ -15142,7 +15213,6 @@
               <a:rPr lang="en-US"/>
               <a:t>Bu örnekte jenerik parametre tanımının metodun dönüş tipinden önce yapıldığına dikkat edelim. Jenerik metodlarda metod imzasındaki bu sıralama zorunludur. Yani jenerik metod tanımını erişim belirleyiciden önce yada metodun dönüş tipinden sonra yapamayız.</a:t>
             </a:r>
-            <a:endParaRPr lang="en-US"/>
           </a:p>
           <a:p>
             <a:pPr marL="228600" lvl="0" indent="-228600" algn="l" rtl="0">
@@ -15162,7 +15232,6 @@
               <a:rPr lang="en-US"/>
               <a:t>&lt;T extends Comparable, V extends T&gt; bu tanımda ilk tipimizin(T) Comparable interfacenden türemesi gerektiğini ve ikinci tipin (V) birinci tipten türemesi ya o tip ile aynı olması gerektiği belirttik. Bu durumda örneğin bir Integer arrayini bir Double array i ile karşılaştıramayız. Bu nedenle main metodu içinde yer alan son satırı yorum satırına çevirdik, aksi durumda compiler hata verecektir.</a:t>
             </a:r>
-            <a:endParaRPr lang="en-US"/>
           </a:p>
         </p:txBody>
       </p:sp>
@@ -15174,12 +15243,12 @@
 </p:sld>
 </file>
 
-<file path=ppt/slides/slide19.xml><?xml version="1.0" encoding="utf-8"?>
+<file path=ppt/slides/slide18.xml><?xml version="1.0" encoding="utf-8"?>
 <p:sld xmlns:a="http://schemas.openxmlformats.org/drawingml/2006/main" xmlns:r="http://schemas.openxmlformats.org/officeDocument/2006/relationships" xmlns:p="http://schemas.openxmlformats.org/presentationml/2006/main">
   <p:cSld>
     <p:spTree>
       <p:nvGrpSpPr>
-        <p:cNvPr id="214" name="Shape 214"/>
+        <p:cNvPr id="1" name="Shape 214"/>
         <p:cNvGrpSpPr/>
         <p:nvPr/>
       </p:nvGrpSpPr>
@@ -15194,7 +15263,9 @@
       <p:sp>
         <p:nvSpPr>
           <p:cNvPr id="215" name="Google Shape;215;p19"/>
-          <p:cNvSpPr txBox="1"/>
+          <p:cNvSpPr txBox="1">
+            <a:spLocks noGrp="1"/>
+          </p:cNvSpPr>
           <p:nvPr>
             <p:ph type="title"/>
           </p:nvPr>
@@ -15239,7 +15310,6 @@
               <a:rPr lang="en-US"/>
               <a:t>Soru</a:t>
             </a:r>
-            <a:endParaRPr lang="en-US"/>
           </a:p>
         </p:txBody>
       </p:sp>
@@ -15319,6 +15389,7 @@
                 </a:spcAft>
                 <a:buNone/>
               </a:pPr>
+              <a:endParaRPr/>
             </a:p>
           </p:txBody>
         </p:sp>
@@ -15376,15 +15447,6 @@
                 </a:rPr>
                 <a:t>Number sınıfından türeyen sınıflardan oluşan her türlü diziyi küçükten büyüğe doğru sıralayan generic bir metot yazınız. (Array sıralama araştırılmalıdır.)</a:t>
               </a:r>
-              <a:endParaRPr lang="en-US" sz="2900">
-                <a:solidFill>
-                  <a:schemeClr val="dk1"/>
-                </a:solidFill>
-                <a:latin typeface="Calibri" panose="020F0502020204030204"/>
-                <a:ea typeface="Calibri" panose="020F0502020204030204"/>
-                <a:cs typeface="Calibri" panose="020F0502020204030204"/>
-                <a:sym typeface="Calibri" panose="020F0502020204030204"/>
-              </a:endParaRPr>
             </a:p>
           </p:txBody>
         </p:sp>
@@ -15450,6 +15512,7 @@
                 </a:spcAft>
                 <a:buNone/>
               </a:pPr>
+              <a:endParaRPr/>
             </a:p>
           </p:txBody>
         </p:sp>
@@ -15507,15 +15570,6 @@
                 </a:rPr>
                 <a:t>Herhangi tipteki herhangi bir diziyi ekrana yazdıran generic bir metot yazınız.</a:t>
               </a:r>
-              <a:endParaRPr lang="en-US" sz="2900">
-                <a:solidFill>
-                  <a:schemeClr val="dk1"/>
-                </a:solidFill>
-                <a:latin typeface="Calibri" panose="020F0502020204030204"/>
-                <a:ea typeface="Calibri" panose="020F0502020204030204"/>
-                <a:cs typeface="Calibri" panose="020F0502020204030204"/>
-                <a:sym typeface="Calibri" panose="020F0502020204030204"/>
-              </a:endParaRPr>
             </a:p>
           </p:txBody>
         </p:sp>
@@ -15581,6 +15635,7 @@
                 </a:spcAft>
                 <a:buNone/>
               </a:pPr>
+              <a:endParaRPr/>
             </a:p>
           </p:txBody>
         </p:sp>
@@ -15638,19 +15693,137 @@
                 </a:rPr>
                 <a:t>Bu metotları main thread içerisinde Double ve Integer tipleri kullanarak test ediniz.</a:t>
               </a:r>
-              <a:endParaRPr lang="en-US" sz="2900">
-                <a:solidFill>
-                  <a:schemeClr val="dk1"/>
-                </a:solidFill>
-                <a:latin typeface="Calibri" panose="020F0502020204030204"/>
-                <a:ea typeface="Calibri" panose="020F0502020204030204"/>
-                <a:cs typeface="Calibri" panose="020F0502020204030204"/>
-                <a:sym typeface="Calibri" panose="020F0502020204030204"/>
-              </a:endParaRPr>
             </a:p>
           </p:txBody>
         </p:sp>
       </p:grpSp>
+    </p:spTree>
+  </p:cSld>
+  <p:clrMapOvr>
+    <a:masterClrMapping/>
+  </p:clrMapOvr>
+</p:sld>
+</file>
+
+<file path=ppt/slides/slide19.xml><?xml version="1.0" encoding="utf-8"?>
+<p:sld xmlns:a="http://schemas.openxmlformats.org/drawingml/2006/main" xmlns:r="http://schemas.openxmlformats.org/officeDocument/2006/relationships" xmlns:p="http://schemas.openxmlformats.org/presentationml/2006/main">
+  <p:cSld>
+    <p:spTree>
+      <p:nvGrpSpPr>
+        <p:cNvPr id="1" name="Shape 229"/>
+        <p:cNvGrpSpPr/>
+        <p:nvPr/>
+      </p:nvGrpSpPr>
+      <p:grpSpPr>
+        <a:xfrm>
+          <a:off x="0" y="0"/>
+          <a:ext cx="0" cy="0"/>
+          <a:chOff x="0" y="0"/>
+          <a:chExt cx="0" cy="0"/>
+        </a:xfrm>
+      </p:grpSpPr>
+      <p:sp>
+        <p:nvSpPr>
+          <p:cNvPr id="230" name="Google Shape;230;p20"/>
+          <p:cNvSpPr txBox="1">
+            <a:spLocks noGrp="1"/>
+          </p:cNvSpPr>
+          <p:nvPr>
+            <p:ph type="ctrTitle"/>
+          </p:nvPr>
+        </p:nvSpPr>
+        <p:spPr>
+          <a:xfrm>
+            <a:off x="1524000" y="1122363"/>
+            <a:ext cx="9144000" cy="2387600"/>
+          </a:xfrm>
+          <a:prstGeom prst="rect">
+            <a:avLst/>
+          </a:prstGeom>
+          <a:noFill/>
+          <a:ln>
+            <a:noFill/>
+          </a:ln>
+        </p:spPr>
+        <p:txBody>
+          <a:bodyPr spcFirstLastPara="1" wrap="square" lIns="91425" tIns="45700" rIns="91425" bIns="45700" anchor="b" anchorCtr="0">
+            <a:normAutofit/>
+          </a:bodyPr>
+          <a:lstStyle/>
+          <a:p>
+            <a:pPr marL="0" lvl="0" indent="0" algn="ctr" rtl="0">
+              <a:lnSpc>
+                <a:spcPct val="90000"/>
+              </a:lnSpc>
+              <a:spcBef>
+                <a:spcPts val="0"/>
+              </a:spcBef>
+              <a:spcAft>
+                <a:spcPts val="0"/>
+              </a:spcAft>
+              <a:buClr>
+                <a:schemeClr val="dk2"/>
+              </a:buClr>
+              <a:buSzPts val="5400"/>
+              <a:buFont typeface="Gill Sans" panose="020B0502020104020203"/>
+              <a:buNone/>
+            </a:pPr>
+            <a:r>
+              <a:rPr lang="en-US"/>
+              <a:t>Jenerik Interface</a:t>
+            </a:r>
+          </a:p>
+        </p:txBody>
+      </p:sp>
+      <p:sp>
+        <p:nvSpPr>
+          <p:cNvPr id="231" name="Google Shape;231;p20"/>
+          <p:cNvSpPr txBox="1">
+            <a:spLocks noGrp="1"/>
+          </p:cNvSpPr>
+          <p:nvPr>
+            <p:ph type="subTitle" idx="1"/>
+          </p:nvPr>
+        </p:nvSpPr>
+        <p:spPr>
+          <a:xfrm>
+            <a:off x="1524000" y="3602038"/>
+            <a:ext cx="9144000" cy="1655762"/>
+          </a:xfrm>
+          <a:prstGeom prst="rect">
+            <a:avLst/>
+          </a:prstGeom>
+          <a:noFill/>
+          <a:ln>
+            <a:noFill/>
+          </a:ln>
+        </p:spPr>
+        <p:txBody>
+          <a:bodyPr spcFirstLastPara="1" wrap="square" lIns="91425" tIns="45700" rIns="91425" bIns="45700" anchor="t" anchorCtr="0">
+            <a:normAutofit/>
+          </a:bodyPr>
+          <a:lstStyle/>
+          <a:p>
+            <a:pPr marL="0" lvl="0" indent="0" algn="ctr" rtl="0">
+              <a:lnSpc>
+                <a:spcPct val="90000"/>
+              </a:lnSpc>
+              <a:spcBef>
+                <a:spcPts val="0"/>
+              </a:spcBef>
+              <a:spcAft>
+                <a:spcPts val="0"/>
+              </a:spcAft>
+              <a:buSzPts val="2400"/>
+              <a:buNone/>
+            </a:pPr>
+            <a:r>
+              <a:rPr lang="en-US" b="0" i="0"/>
+              <a:t>Jeneriklerin sınıflara ve metodlara uygulanabilir olduğunu gördük. Şimdi sıra geldi interfacelere. Jenerikliğin uygulanışı bakımından sınıf ve interface in hiçbir farkı yoktur.</a:t>
+            </a:r>
+          </a:p>
+        </p:txBody>
+      </p:sp>
     </p:spTree>
   </p:cSld>
   <p:clrMapOvr>
@@ -15664,7 +15837,7 @@
   <p:cSld>
     <p:spTree>
       <p:nvGrpSpPr>
-        <p:cNvPr id="107" name="Shape 107"/>
+        <p:cNvPr id="1" name="Shape 107"/>
         <p:cNvGrpSpPr/>
         <p:nvPr/>
       </p:nvGrpSpPr>
@@ -15679,7 +15852,9 @@
       <p:sp>
         <p:nvSpPr>
           <p:cNvPr id="108" name="Google Shape;108;p2"/>
-          <p:cNvSpPr txBox="1"/>
+          <p:cNvSpPr txBox="1">
+            <a:spLocks noGrp="1"/>
+          </p:cNvSpPr>
           <p:nvPr>
             <p:ph type="ctrTitle"/>
           </p:nvPr>
@@ -15724,14 +15899,15 @@
               <a:rPr lang="en-US"/>
               <a:t>Generics nedir?</a:t>
             </a:r>
-            <a:endParaRPr lang="en-US"/>
           </a:p>
         </p:txBody>
       </p:sp>
       <p:sp>
         <p:nvSpPr>
           <p:cNvPr id="109" name="Google Shape;109;p2"/>
-          <p:cNvSpPr txBox="1"/>
+          <p:cNvSpPr txBox="1">
+            <a:spLocks noGrp="1"/>
+          </p:cNvSpPr>
           <p:nvPr>
             <p:ph type="subTitle" idx="1"/>
           </p:nvPr>
@@ -15772,7 +15948,6 @@
               <a:rPr lang="en-US" b="0" i="0"/>
               <a:t>Java dilinde pek çok özellik çoğunlukla 1.0 versiyonunda eklenmiştir. Eklenen diğer tüm özellikler dilin kapsamını genişletmiştir ki bunlardan biri olan Jenerikler dili en çok şekillendirenlerdendir.</a:t>
             </a:r>
-            <a:endParaRPr lang="en-US" b="0" i="0"/>
           </a:p>
           <a:p>
             <a:pPr marL="0" lvl="0" indent="0" algn="ctr" rtl="0">
@@ -15792,7 +15967,6 @@
               <a:rPr lang="en-US" b="0" i="0"/>
               <a:t>Jenerikler temelde parametrik tip demektir. Yani parametrik bir sınıf, interface yada metod yaratırken aslında o kod parçasının hangi tip data üzerinde işlem yapacağını bildiriyoruz.</a:t>
             </a:r>
-            <a:endParaRPr lang="en-US" b="0" i="0"/>
           </a:p>
         </p:txBody>
       </p:sp>
@@ -15809,132 +15983,7 @@
   <p:cSld>
     <p:spTree>
       <p:nvGrpSpPr>
-        <p:cNvPr id="229" name="Shape 229"/>
-        <p:cNvGrpSpPr/>
-        <p:nvPr/>
-      </p:nvGrpSpPr>
-      <p:grpSpPr>
-        <a:xfrm>
-          <a:off x="0" y="0"/>
-          <a:ext cx="0" cy="0"/>
-          <a:chOff x="0" y="0"/>
-          <a:chExt cx="0" cy="0"/>
-        </a:xfrm>
-      </p:grpSpPr>
-      <p:sp>
-        <p:nvSpPr>
-          <p:cNvPr id="230" name="Google Shape;230;p20"/>
-          <p:cNvSpPr txBox="1"/>
-          <p:nvPr>
-            <p:ph type="ctrTitle"/>
-          </p:nvPr>
-        </p:nvSpPr>
-        <p:spPr>
-          <a:xfrm>
-            <a:off x="1524000" y="1122363"/>
-            <a:ext cx="9144000" cy="2387600"/>
-          </a:xfrm>
-          <a:prstGeom prst="rect">
-            <a:avLst/>
-          </a:prstGeom>
-          <a:noFill/>
-          <a:ln>
-            <a:noFill/>
-          </a:ln>
-        </p:spPr>
-        <p:txBody>
-          <a:bodyPr spcFirstLastPara="1" wrap="square" lIns="91425" tIns="45700" rIns="91425" bIns="45700" anchor="b" anchorCtr="0">
-            <a:normAutofit/>
-          </a:bodyPr>
-          <a:lstStyle/>
-          <a:p>
-            <a:pPr marL="0" lvl="0" indent="0" algn="ctr" rtl="0">
-              <a:lnSpc>
-                <a:spcPct val="90000"/>
-              </a:lnSpc>
-              <a:spcBef>
-                <a:spcPts val="0"/>
-              </a:spcBef>
-              <a:spcAft>
-                <a:spcPts val="0"/>
-              </a:spcAft>
-              <a:buClr>
-                <a:schemeClr val="dk2"/>
-              </a:buClr>
-              <a:buSzPts val="5400"/>
-              <a:buFont typeface="Gill Sans" panose="020B0502020104020203"/>
-              <a:buNone/>
-            </a:pPr>
-            <a:r>
-              <a:rPr lang="en-US"/>
-              <a:t>Jenerik Interface</a:t>
-            </a:r>
-            <a:endParaRPr lang="en-US"/>
-          </a:p>
-        </p:txBody>
-      </p:sp>
-      <p:sp>
-        <p:nvSpPr>
-          <p:cNvPr id="231" name="Google Shape;231;p20"/>
-          <p:cNvSpPr txBox="1"/>
-          <p:nvPr>
-            <p:ph type="subTitle" idx="1"/>
-          </p:nvPr>
-        </p:nvSpPr>
-        <p:spPr>
-          <a:xfrm>
-            <a:off x="1524000" y="3602038"/>
-            <a:ext cx="9144000" cy="1655762"/>
-          </a:xfrm>
-          <a:prstGeom prst="rect">
-            <a:avLst/>
-          </a:prstGeom>
-          <a:noFill/>
-          <a:ln>
-            <a:noFill/>
-          </a:ln>
-        </p:spPr>
-        <p:txBody>
-          <a:bodyPr spcFirstLastPara="1" wrap="square" lIns="91425" tIns="45700" rIns="91425" bIns="45700" anchor="t" anchorCtr="0">
-            <a:normAutofit/>
-          </a:bodyPr>
-          <a:lstStyle/>
-          <a:p>
-            <a:pPr marL="0" lvl="0" indent="0" algn="ctr" rtl="0">
-              <a:lnSpc>
-                <a:spcPct val="90000"/>
-              </a:lnSpc>
-              <a:spcBef>
-                <a:spcPts val="0"/>
-              </a:spcBef>
-              <a:spcAft>
-                <a:spcPts val="0"/>
-              </a:spcAft>
-              <a:buSzPts val="2400"/>
-              <a:buNone/>
-            </a:pPr>
-            <a:r>
-              <a:rPr lang="en-US" b="0" i="0"/>
-              <a:t>Jeneriklerin sınıflara ve metodlara uygulanabilir olduğunu gördük. Şimdi sıra geldi interfacelere. Jenerikliğin uygulanışı bakımından sınıf ve interface in hiçbir farkı yoktur.</a:t>
-            </a:r>
-            <a:endParaRPr lang="en-US" b="0" i="0"/>
-          </a:p>
-        </p:txBody>
-      </p:sp>
-    </p:spTree>
-  </p:cSld>
-  <p:clrMapOvr>
-    <a:masterClrMapping/>
-  </p:clrMapOvr>
-</p:sld>
-</file>
-
-<file path=ppt/slides/slide21.xml><?xml version="1.0" encoding="utf-8"?>
-<p:sld xmlns:a="http://schemas.openxmlformats.org/drawingml/2006/main" xmlns:r="http://schemas.openxmlformats.org/officeDocument/2006/relationships" xmlns:p="http://schemas.openxmlformats.org/presentationml/2006/main">
-  <p:cSld>
-    <p:spTree>
-      <p:nvGrpSpPr>
-        <p:cNvPr id="235" name="Shape 235"/>
+        <p:cNvPr id="1" name="Shape 235"/>
         <p:cNvGrpSpPr/>
         <p:nvPr/>
       </p:nvGrpSpPr>
@@ -15949,7 +15998,9 @@
       <p:sp>
         <p:nvSpPr>
           <p:cNvPr id="236" name="Google Shape;236;p21"/>
-          <p:cNvSpPr txBox="1"/>
+          <p:cNvSpPr txBox="1">
+            <a:spLocks noGrp="1"/>
+          </p:cNvSpPr>
           <p:nvPr>
             <p:ph type="title"/>
           </p:nvPr>
@@ -15994,20 +16045,21 @@
               <a:rPr lang="en-US"/>
               <a:t>Jenerik Interface</a:t>
             </a:r>
-            <a:endParaRPr lang="en-US"/>
           </a:p>
         </p:txBody>
       </p:sp>
       <p:pic>
         <p:nvPicPr>
           <p:cNvPr id="237" name="Google Shape;237;p21"/>
-          <p:cNvPicPr preferRelativeResize="0"/>
+          <p:cNvPicPr preferRelativeResize="0">
+            <a:picLocks noGrp="1"/>
+          </p:cNvPicPr>
           <p:nvPr>
             <p:ph type="body" idx="1"/>
           </p:nvPr>
         </p:nvPicPr>
         <p:blipFill rotWithShape="1">
-          <a:blip r:embed="rId1"/>
+          <a:blip r:embed="rId3"/>
           <a:srcRect/>
           <a:stretch>
             <a:fillRect/>
@@ -16034,7 +16086,7 @@
           <p:nvPr/>
         </p:nvPicPr>
         <p:blipFill rotWithShape="1">
-          <a:blip r:embed="rId2"/>
+          <a:blip r:embed="rId4"/>
           <a:srcRect/>
           <a:stretch>
             <a:fillRect/>
@@ -16062,12 +16114,12 @@
 </p:sld>
 </file>
 
-<file path=ppt/slides/slide22.xml><?xml version="1.0" encoding="utf-8"?>
+<file path=ppt/slides/slide21.xml><?xml version="1.0" encoding="utf-8"?>
 <p:sld xmlns:a="http://schemas.openxmlformats.org/drawingml/2006/main" xmlns:r="http://schemas.openxmlformats.org/officeDocument/2006/relationships" xmlns:p="http://schemas.openxmlformats.org/presentationml/2006/main">
   <p:cSld>
     <p:spTree>
       <p:nvGrpSpPr>
-        <p:cNvPr id="242" name="Shape 242"/>
+        <p:cNvPr id="1" name="Shape 242"/>
         <p:cNvGrpSpPr/>
         <p:nvPr/>
       </p:nvGrpSpPr>
@@ -16082,7 +16134,9 @@
       <p:sp>
         <p:nvSpPr>
           <p:cNvPr id="243" name="Google Shape;243;p22"/>
-          <p:cNvSpPr txBox="1"/>
+          <p:cNvSpPr txBox="1">
+            <a:spLocks noGrp="1"/>
+          </p:cNvSpPr>
           <p:nvPr>
             <p:ph type="title"/>
           </p:nvPr>
@@ -16127,20 +16181,21 @@
               <a:rPr lang="en-US"/>
               <a:t>Jenerik Interface</a:t>
             </a:r>
-            <a:endParaRPr lang="en-US"/>
           </a:p>
         </p:txBody>
       </p:sp>
       <p:pic>
         <p:nvPicPr>
           <p:cNvPr id="244" name="Google Shape;244;p22" descr="metin içeren bir resim&#10;&#10;Açıklama otomatik olarak oluşturuldu"/>
-          <p:cNvPicPr preferRelativeResize="0"/>
+          <p:cNvPicPr preferRelativeResize="0">
+            <a:picLocks noGrp="1"/>
+          </p:cNvPicPr>
           <p:nvPr>
             <p:ph type="body" idx="1"/>
           </p:nvPr>
         </p:nvPicPr>
         <p:blipFill rotWithShape="1">
-          <a:blip r:embed="rId1"/>
+          <a:blip r:embed="rId3"/>
           <a:srcRect/>
           <a:stretch>
             <a:fillRect/>
@@ -16168,12 +16223,12 @@
 </p:sld>
 </file>
 
-<file path=ppt/slides/slide23.xml><?xml version="1.0" encoding="utf-8"?>
+<file path=ppt/slides/slide22.xml><?xml version="1.0" encoding="utf-8"?>
 <p:sld xmlns:a="http://schemas.openxmlformats.org/drawingml/2006/main" xmlns:r="http://schemas.openxmlformats.org/officeDocument/2006/relationships" xmlns:p="http://schemas.openxmlformats.org/presentationml/2006/main">
   <p:cSld>
     <p:spTree>
       <p:nvGrpSpPr>
-        <p:cNvPr id="248" name="Shape 248"/>
+        <p:cNvPr id="1" name="Shape 248"/>
         <p:cNvGrpSpPr/>
         <p:nvPr/>
       </p:nvGrpSpPr>
@@ -16188,7 +16243,9 @@
       <p:sp>
         <p:nvSpPr>
           <p:cNvPr id="249" name="Google Shape;249;p23"/>
-          <p:cNvSpPr txBox="1"/>
+          <p:cNvSpPr txBox="1">
+            <a:spLocks noGrp="1"/>
+          </p:cNvSpPr>
           <p:nvPr>
             <p:ph type="title"/>
           </p:nvPr>
@@ -16233,14 +16290,15 @@
               <a:rPr lang="en-US"/>
               <a:t>Jenerik Interface</a:t>
             </a:r>
-            <a:endParaRPr lang="en-US"/>
           </a:p>
         </p:txBody>
       </p:sp>
       <p:sp>
         <p:nvSpPr>
           <p:cNvPr id="250" name="Google Shape;250;p23"/>
-          <p:cNvSpPr txBox="1"/>
+          <p:cNvSpPr txBox="1">
+            <a:spLocks noGrp="1"/>
+          </p:cNvSpPr>
           <p:nvPr>
             <p:ph type="body" idx="1"/>
           </p:nvPr>
@@ -16281,7 +16339,6 @@
               <a:rPr lang="en-US"/>
               <a:t>Jenerik interfacelerde dikkat edilmesi gereken birkaç nokta var.</a:t>
             </a:r>
-            <a:endParaRPr lang="en-US"/>
           </a:p>
           <a:p>
             <a:pPr marL="228600" lvl="0" indent="-228600" algn="l" rtl="0">
@@ -16301,7 +16358,6 @@
               <a:rPr lang="en-US"/>
               <a:t>Birincisi jenerik interface i implemente eden sınıf belli bir tip kullanmadığı sürece jenerik olmalıdır ve tip parametresini aynen interface e de geçmelidir.</a:t>
             </a:r>
-            <a:endParaRPr lang="en-US"/>
           </a:p>
         </p:txBody>
       </p:sp>
@@ -16312,7 +16368,7 @@
           <p:nvPr/>
         </p:nvPicPr>
         <p:blipFill rotWithShape="1">
-          <a:blip r:embed="rId1"/>
+          <a:blip r:embed="rId3"/>
           <a:srcRect/>
           <a:stretch>
             <a:fillRect/>
@@ -16378,15 +16434,6 @@
               </a:rPr>
               <a:t>Bir diğer önemli nokta sınırlamadır, eğer jenerik bir interface tip parametresinde sınırlamaya gitmiş ise onu implemente eden sınıf da gitmek zorundadır.</a:t>
             </a:r>
-            <a:endParaRPr lang="en-US" sz="1800">
-              <a:solidFill>
-                <a:schemeClr val="dk1"/>
-              </a:solidFill>
-              <a:latin typeface="Calibri" panose="020F0502020204030204"/>
-              <a:ea typeface="Calibri" panose="020F0502020204030204"/>
-              <a:cs typeface="Calibri" panose="020F0502020204030204"/>
-              <a:sym typeface="Calibri" panose="020F0502020204030204"/>
-            </a:endParaRPr>
           </a:p>
         </p:txBody>
       </p:sp>
@@ -16397,7 +16444,7 @@
           <p:nvPr/>
         </p:nvPicPr>
         <p:blipFill rotWithShape="1">
-          <a:blip r:embed="rId2"/>
+          <a:blip r:embed="rId4"/>
           <a:srcRect/>
           <a:stretch>
             <a:fillRect/>
@@ -16425,12 +16472,12 @@
 </p:sld>
 </file>
 
-<file path=ppt/slides/slide24.xml><?xml version="1.0" encoding="utf-8"?>
+<file path=ppt/slides/slide23.xml><?xml version="1.0" encoding="utf-8"?>
 <p:sld xmlns:a="http://schemas.openxmlformats.org/drawingml/2006/main" xmlns:r="http://schemas.openxmlformats.org/officeDocument/2006/relationships" xmlns:p="http://schemas.openxmlformats.org/presentationml/2006/main">
   <p:cSld>
     <p:spTree>
       <p:nvGrpSpPr>
-        <p:cNvPr id="257" name="Shape 257"/>
+        <p:cNvPr id="1" name="Shape 257"/>
         <p:cNvGrpSpPr/>
         <p:nvPr/>
       </p:nvGrpSpPr>
@@ -16445,7 +16492,9 @@
       <p:sp>
         <p:nvSpPr>
           <p:cNvPr id="258" name="Google Shape;258;p24"/>
-          <p:cNvSpPr txBox="1"/>
+          <p:cNvSpPr txBox="1">
+            <a:spLocks noGrp="1"/>
+          </p:cNvSpPr>
           <p:nvPr>
             <p:ph type="title"/>
           </p:nvPr>
@@ -16490,14 +16539,15 @@
               <a:rPr lang="en-US"/>
               <a:t>Soru</a:t>
             </a:r>
-            <a:endParaRPr lang="en-US"/>
           </a:p>
         </p:txBody>
       </p:sp>
       <p:sp>
         <p:nvSpPr>
           <p:cNvPr id="259" name="Google Shape;259;p24"/>
-          <p:cNvSpPr txBox="1"/>
+          <p:cNvSpPr txBox="1">
+            <a:spLocks noGrp="1"/>
+          </p:cNvSpPr>
           <p:nvPr>
             <p:ph type="body" idx="1"/>
           </p:nvPr>
@@ -16538,7 +16588,6 @@
               <a:rPr lang="en-US"/>
               <a:t>Bir lig simülasyonu yapacak uygulamayı yazınız.</a:t>
             </a:r>
-            <a:endParaRPr lang="en-US"/>
           </a:p>
           <a:p>
             <a:pPr marL="228600" lvl="0" indent="-228600" algn="l" rtl="0">
@@ -16558,7 +16607,6 @@
               <a:rPr lang="en-US"/>
               <a:t>Bir takım sınıfı oluşturun. Bu sınıf takımın kazandığı , kaybettiği, berabere kaldığı maç bilgilerini tutsun. </a:t>
             </a:r>
-            <a:endParaRPr lang="en-US"/>
           </a:p>
           <a:p>
             <a:pPr marL="228600" lvl="0" indent="-228600" algn="l" rtl="0">
@@ -16578,7 +16626,6 @@
               <a:rPr lang="en-US"/>
               <a:t>Ayrıca bu takım sınıfı farklı türdeki oyuncuları da yani farklı tür spor takımlarını içerebilsin. </a:t>
             </a:r>
-            <a:endParaRPr lang="en-US"/>
           </a:p>
           <a:p>
             <a:pPr marL="228600" lvl="0" indent="-228600" algn="l" rtl="0">
@@ -16598,7 +16645,6 @@
               <a:rPr lang="en-US"/>
               <a:t>Bu takım sınıfının oyuncu ekleme, takımdaki oyuncu sayısı ve de yapılacak maçların sonuçlarını verdiğiniz değerlere göre hesaplayacak yetenekleri olsun. </a:t>
             </a:r>
-            <a:endParaRPr lang="en-US"/>
           </a:p>
           <a:p>
             <a:pPr marL="228600" lvl="0" indent="-228600" algn="l" rtl="0">
@@ -16618,7 +16664,6 @@
               <a:rPr lang="en-US"/>
               <a:t>Ve bu skorlara göre de o takımın puan,bilgisini saklayabilsin.</a:t>
             </a:r>
-            <a:endParaRPr lang="en-US"/>
           </a:p>
           <a:p>
             <a:pPr marL="228600" lvl="0" indent="-228600" algn="l" rtl="0">
@@ -16638,7 +16683,6 @@
               <a:rPr lang="en-US"/>
               <a:t>Burda dikkat etmeniz gereken şey, bir takımda aynı türden oyuncular olmalı. Yani bir futbol takımına bir basketbol oyuncusu eklenmemelidir!</a:t>
             </a:r>
-            <a:endParaRPr lang="en-US"/>
           </a:p>
           <a:p>
             <a:pPr marL="228600" lvl="0" indent="-228600" algn="l" rtl="0">
@@ -16658,7 +16702,6 @@
               <a:rPr lang="en-US"/>
               <a:t>Ayrıca iki takım maç yaparken de aynı tür takımlar birbiriyle karşılaşmalı. Bir futbol takımı ile bir basketbol takımı maç yapmamalıdır.</a:t>
             </a:r>
-            <a:endParaRPr lang="en-US"/>
           </a:p>
           <a:p>
             <a:pPr marL="228600" lvl="0" indent="-228600" algn="l" rtl="0">
@@ -16678,7 +16721,6 @@
               <a:rPr lang="en-US"/>
               <a:t>Son olarak bir lig olusturup, bu lige yine aynı türdeki takımları ekleyip puan durumuna göre sıralama yapmaya çalışınız.</a:t>
             </a:r>
-            <a:endParaRPr lang="en-US"/>
           </a:p>
           <a:p>
             <a:pPr marL="0" lvl="0" indent="0" algn="l" rtl="0">
@@ -16698,7 +16740,6 @@
               <a:rPr lang="en-US"/>
               <a:t>**Bu ödevi yaparken Generic Tip kullanmanız önerilir, takımları puan durumuna göre sıralarken Team sınıfı comparable interface'ini kullanırsa takımın puanına göre sıralama işlemini kolayca yapabilirsiniz.</a:t>
             </a:r>
-            <a:endParaRPr lang="en-US"/>
           </a:p>
         </p:txBody>
       </p:sp>
@@ -16715,7 +16756,7 @@
   <p:cSld>
     <p:spTree>
       <p:nvGrpSpPr>
-        <p:cNvPr id="113" name="Shape 113"/>
+        <p:cNvPr id="1" name="Shape 113"/>
         <p:cNvGrpSpPr/>
         <p:nvPr/>
       </p:nvGrpSpPr>
@@ -16730,7 +16771,9 @@
       <p:sp>
         <p:nvSpPr>
           <p:cNvPr id="114" name="Google Shape;114;p3"/>
-          <p:cNvSpPr txBox="1"/>
+          <p:cNvSpPr txBox="1">
+            <a:spLocks noGrp="1"/>
+          </p:cNvSpPr>
           <p:nvPr>
             <p:ph type="title"/>
           </p:nvPr>
@@ -16775,14 +16818,15 @@
               <a:rPr lang="en-US"/>
               <a:t>Generics Nedir?</a:t>
             </a:r>
-            <a:endParaRPr lang="en-US"/>
           </a:p>
         </p:txBody>
       </p:sp>
       <p:sp>
         <p:nvSpPr>
           <p:cNvPr id="115" name="Google Shape;115;p3"/>
-          <p:cNvSpPr txBox="1"/>
+          <p:cNvSpPr txBox="1">
+            <a:spLocks noGrp="1"/>
+          </p:cNvSpPr>
           <p:nvPr>
             <p:ph type="body" idx="1"/>
           </p:nvPr>
@@ -16823,7 +16867,6 @@
               <a:rPr lang="en-US" b="0" i="0"/>
               <a:t>Diyelim ki bir sıralama algoritması yazdınız ve bu algoritmanın int, String, Thread, Object gibi farklı tipler üzerinde çalışmasını istiyorsunuz. Jenerikler javaya eklenmeden önce bunu yapmanın iki yolu vardı, ya algoritmayı kullandığımız her obje tipi için yeniden yazmak, ki çok miktarda kod tekrarı demektir yada algoritmayı Object sınıfını baz alarak yazmaktı. Yani yaratacağınız sınıf, metodlar hepsi Object tipinde input alacak ve Object tipinde değer dönecek. Ancak bu şekilde genel bir algoritma implementasyonu mümkün oluyordu. Tabi çağırdığımız her metoddan sonra bize geri dönen Object tipindeki değeri de istediğimiz tipe cast etmemiz gerekiyordu. Bu beraberinde hem performans kaybı hemde runtime da hatalar almamıza neden oluyordu.</a:t>
             </a:r>
-            <a:endParaRPr lang="en-US" b="0" i="0"/>
           </a:p>
           <a:p>
             <a:pPr marL="228600" lvl="0" indent="-228600" algn="l" rtl="0">
@@ -16843,7 +16886,6 @@
               <a:rPr lang="en-US" b="0" i="0"/>
               <a:t>İşte bu sorunlara çözüm olarak Java dilini tasarlayanlar Jenerikleri dile kazandırdı. Jenerikler sayesinde algoritmalarda veri tipinden bağımsız genelleme, kodun tekrar kullanılabilirliği ve güvenlik arttı.</a:t>
             </a:r>
-            <a:endParaRPr lang="en-US" b="0" i="0"/>
           </a:p>
           <a:p>
             <a:pPr marL="228600" lvl="0" indent="-228600" algn="l" rtl="0">
@@ -16884,7 +16926,7 @@
   <p:cSld>
     <p:spTree>
       <p:nvGrpSpPr>
-        <p:cNvPr id="119" name="Shape 119"/>
+        <p:cNvPr id="1" name="Shape 119"/>
         <p:cNvGrpSpPr/>
         <p:nvPr/>
       </p:nvGrpSpPr>
@@ -16899,7 +16941,9 @@
       <p:sp>
         <p:nvSpPr>
           <p:cNvPr id="120" name="Google Shape;120;p4"/>
-          <p:cNvSpPr txBox="1"/>
+          <p:cNvSpPr txBox="1">
+            <a:spLocks noGrp="1"/>
+          </p:cNvSpPr>
           <p:nvPr>
             <p:ph type="title"/>
           </p:nvPr>
@@ -16944,20 +16988,21 @@
               <a:rPr lang="en-US"/>
               <a:t>Generics Nedir?</a:t>
             </a:r>
-            <a:endParaRPr lang="en-US"/>
           </a:p>
         </p:txBody>
       </p:sp>
       <p:pic>
         <p:nvPicPr>
           <p:cNvPr id="121" name="Google Shape;121;p4"/>
-          <p:cNvPicPr preferRelativeResize="0"/>
+          <p:cNvPicPr preferRelativeResize="0">
+            <a:picLocks noGrp="1"/>
+          </p:cNvPicPr>
           <p:nvPr>
             <p:ph type="body" idx="1"/>
           </p:nvPr>
         </p:nvPicPr>
         <p:blipFill rotWithShape="1">
-          <a:blip r:embed="rId1"/>
+          <a:blip r:embed="rId3"/>
           <a:srcRect/>
           <a:stretch>
             <a:fillRect/>
@@ -16990,7 +17035,7 @@
   <p:cSld>
     <p:spTree>
       <p:nvGrpSpPr>
-        <p:cNvPr id="125" name="Shape 125"/>
+        <p:cNvPr id="1" name="Shape 125"/>
         <p:cNvGrpSpPr/>
         <p:nvPr/>
       </p:nvGrpSpPr>
@@ -17005,7 +17050,9 @@
       <p:sp>
         <p:nvSpPr>
           <p:cNvPr id="126" name="Google Shape;126;p5"/>
-          <p:cNvSpPr txBox="1"/>
+          <p:cNvSpPr txBox="1">
+            <a:spLocks noGrp="1"/>
+          </p:cNvSpPr>
           <p:nvPr>
             <p:ph type="title"/>
           </p:nvPr>
@@ -17050,20 +17097,21 @@
               <a:rPr lang="en-US"/>
               <a:t>Generics Nedir?</a:t>
             </a:r>
-            <a:endParaRPr lang="en-US"/>
           </a:p>
         </p:txBody>
       </p:sp>
       <p:pic>
         <p:nvPicPr>
           <p:cNvPr id="127" name="Google Shape;127;p5"/>
-          <p:cNvPicPr preferRelativeResize="0"/>
+          <p:cNvPicPr preferRelativeResize="0">
+            <a:picLocks noGrp="1"/>
+          </p:cNvPicPr>
           <p:nvPr>
             <p:ph type="body" idx="1"/>
           </p:nvPr>
         </p:nvPicPr>
         <p:blipFill rotWithShape="1">
-          <a:blip r:embed="rId1"/>
+          <a:blip r:embed="rId3"/>
           <a:srcRect/>
           <a:stretch>
             <a:fillRect/>
@@ -17096,7 +17144,7 @@
   <p:cSld>
     <p:spTree>
       <p:nvGrpSpPr>
-        <p:cNvPr id="131" name="Shape 131"/>
+        <p:cNvPr id="1" name="Shape 131"/>
         <p:cNvGrpSpPr/>
         <p:nvPr/>
       </p:nvGrpSpPr>
@@ -17111,7 +17159,9 @@
       <p:sp>
         <p:nvSpPr>
           <p:cNvPr id="132" name="Google Shape;132;p6"/>
-          <p:cNvSpPr txBox="1"/>
+          <p:cNvSpPr txBox="1">
+            <a:spLocks noGrp="1"/>
+          </p:cNvSpPr>
           <p:nvPr>
             <p:ph type="title"/>
           </p:nvPr>
@@ -17156,14 +17206,15 @@
               <a:rPr lang="en-US"/>
               <a:t>Generics Nedir?</a:t>
             </a:r>
-            <a:endParaRPr lang="en-US"/>
           </a:p>
         </p:txBody>
       </p:sp>
       <p:sp>
         <p:nvSpPr>
           <p:cNvPr id="133" name="Google Shape;133;p6"/>
-          <p:cNvSpPr txBox="1"/>
+          <p:cNvSpPr txBox="1">
+            <a:spLocks noGrp="1"/>
+          </p:cNvSpPr>
           <p:nvPr>
             <p:ph type="body" idx="1"/>
           </p:nvPr>
@@ -17212,15 +17263,6 @@
               </a:rPr>
               <a:t>Bu örnekte dikkat etmemiz gereken bir kaç nokta var. Birincisi jenerik sınıfımıza parametre tipini nasıl geçtiğimiz. Sınıf isminden hemen sonra gelen &lt;&gt; sembolleri arasına tip ismini veriyoruz. Burada tek harflik bir isim seçmek ve T, V, E gibi çok kullanılan tip isimlerini seçmek iyi olacaktır. Daha sonra bu tip ismini sınıf içinde farklı yerlerde kullanacağız.</a:t>
             </a:r>
-            <a:endParaRPr lang="en-US" b="0" i="0">
-              <a:solidFill>
-                <a:srgbClr val="292929"/>
-              </a:solidFill>
-              <a:latin typeface="Arial" panose="020B0604020202020204"/>
-              <a:ea typeface="Arial" panose="020B0604020202020204"/>
-              <a:cs typeface="Arial" panose="020B0604020202020204"/>
-              <a:sym typeface="Arial" panose="020B0604020202020204"/>
-            </a:endParaRPr>
           </a:p>
           <a:p>
             <a:pPr marL="228600" lvl="0" indent="-228600" algn="l" rtl="0">
@@ -17248,15 +17290,6 @@
               </a:rPr>
               <a:t>Aynı T tipinde bir değişken tuttuğumuza ve sınıfın constructor unda bu değişkeni initialize ettiğimize dikkat edelim.</a:t>
             </a:r>
-            <a:endParaRPr lang="en-US" b="0" i="0">
-              <a:solidFill>
-                <a:srgbClr val="292929"/>
-              </a:solidFill>
-              <a:latin typeface="Arial" panose="020B0604020202020204"/>
-              <a:ea typeface="Arial" panose="020B0604020202020204"/>
-              <a:cs typeface="Arial" panose="020B0604020202020204"/>
-              <a:sym typeface="Arial" panose="020B0604020202020204"/>
-            </a:endParaRPr>
           </a:p>
           <a:p>
             <a:pPr marL="228600" lvl="0" indent="-228600" algn="l" rtl="0">
@@ -17284,15 +17317,6 @@
               </a:rPr>
               <a:t>Daha sonra bu değişkene erişebilmek için bir getter metodu ekledik, bu metod daha sonra yarattığımız jenerik değerine ulaşmak için kullanılacak.</a:t>
             </a:r>
-            <a:endParaRPr lang="en-US" b="0" i="0">
-              <a:solidFill>
-                <a:srgbClr val="292929"/>
-              </a:solidFill>
-              <a:latin typeface="Arial" panose="020B0604020202020204"/>
-              <a:ea typeface="Arial" panose="020B0604020202020204"/>
-              <a:cs typeface="Arial" panose="020B0604020202020204"/>
-              <a:sym typeface="Arial" panose="020B0604020202020204"/>
-            </a:endParaRPr>
           </a:p>
           <a:p>
             <a:pPr marL="228600" lvl="0" indent="-228600" algn="l" rtl="0">
@@ -17320,15 +17344,6 @@
               </a:rPr>
               <a:t>Jenerik sınıfın sonunda da bu parametre tipinin gerçek ismini ekrana basan bir metod ekledik.</a:t>
             </a:r>
-            <a:endParaRPr lang="en-US" b="0" i="0">
-              <a:solidFill>
-                <a:srgbClr val="292929"/>
-              </a:solidFill>
-              <a:latin typeface="Arial" panose="020B0604020202020204"/>
-              <a:ea typeface="Arial" panose="020B0604020202020204"/>
-              <a:cs typeface="Arial" panose="020B0604020202020204"/>
-              <a:sym typeface="Arial" panose="020B0604020202020204"/>
-            </a:endParaRPr>
           </a:p>
           <a:p>
             <a:pPr marL="228600" lvl="0" indent="-228600" algn="l" rtl="0">
@@ -17356,15 +17371,6 @@
               </a:rPr>
               <a:t>Bu jenerik sınıftan obje yaratmak için Integer ve String tip parametrelerini ve bu tiplerden değerler kullandık. Bu jenerik sınıftan türettiğimiz objelerin değerlerine ulaşmak için getObj metodunu çağırdık ve type casting yapmadık.</a:t>
             </a:r>
-            <a:endParaRPr lang="en-US" b="0" i="0">
-              <a:solidFill>
-                <a:srgbClr val="292929"/>
-              </a:solidFill>
-              <a:latin typeface="Arial" panose="020B0604020202020204"/>
-              <a:ea typeface="Arial" panose="020B0604020202020204"/>
-              <a:cs typeface="Arial" panose="020B0604020202020204"/>
-              <a:sym typeface="Arial" panose="020B0604020202020204"/>
-            </a:endParaRPr>
           </a:p>
         </p:txBody>
       </p:sp>
@@ -17381,7 +17387,7 @@
   <p:cSld>
     <p:spTree>
       <p:nvGrpSpPr>
-        <p:cNvPr id="137" name="Shape 137"/>
+        <p:cNvPr id="1" name="Shape 137"/>
         <p:cNvGrpSpPr/>
         <p:nvPr/>
       </p:nvGrpSpPr>
@@ -17396,7 +17402,9 @@
       <p:sp>
         <p:nvSpPr>
           <p:cNvPr id="138" name="Google Shape;138;p7"/>
-          <p:cNvSpPr txBox="1"/>
+          <p:cNvSpPr txBox="1">
+            <a:spLocks noGrp="1"/>
+          </p:cNvSpPr>
           <p:nvPr>
             <p:ph type="title"/>
           </p:nvPr>
@@ -17441,7 +17449,6 @@
               <a:rPr lang="en-US"/>
               <a:t>Birden Fazla Tiple Generic</a:t>
             </a:r>
-            <a:endParaRPr lang="en-US"/>
           </a:p>
         </p:txBody>
       </p:sp>
@@ -17452,7 +17459,7 @@
           <p:nvPr/>
         </p:nvPicPr>
         <p:blipFill rotWithShape="1">
-          <a:blip r:embed="rId1"/>
+          <a:blip r:embed="rId3"/>
           <a:srcRect/>
           <a:stretch>
             <a:fillRect/>
@@ -17475,7 +17482,9 @@
       <p:sp>
         <p:nvSpPr>
           <p:cNvPr id="140" name="Google Shape;140;p7"/>
-          <p:cNvSpPr txBox="1"/>
+          <p:cNvSpPr txBox="1">
+            <a:spLocks noGrp="1"/>
+          </p:cNvSpPr>
           <p:nvPr>
             <p:ph type="body" idx="1"/>
           </p:nvPr>
@@ -17520,7 +17529,6 @@
               <a:rPr lang="en-US"/>
               <a:t>.</a:t>
             </a:r>
-            <a:endParaRPr lang="en-US"/>
           </a:p>
         </p:txBody>
       </p:sp>
@@ -17537,7 +17545,7 @@
   <p:cSld>
     <p:spTree>
       <p:nvGrpSpPr>
-        <p:cNvPr id="144" name="Shape 144"/>
+        <p:cNvPr id="1" name="Shape 144"/>
         <p:cNvGrpSpPr/>
         <p:nvPr/>
       </p:nvGrpSpPr>
@@ -17552,7 +17560,9 @@
       <p:sp>
         <p:nvSpPr>
           <p:cNvPr id="145" name="Google Shape;145;p8"/>
-          <p:cNvSpPr txBox="1"/>
+          <p:cNvSpPr txBox="1">
+            <a:spLocks noGrp="1"/>
+          </p:cNvSpPr>
           <p:nvPr>
             <p:ph type="title"/>
           </p:nvPr>
@@ -17597,20 +17607,21 @@
               <a:rPr lang="en-US"/>
               <a:t>Birden Fazla Tiple Generic</a:t>
             </a:r>
-            <a:endParaRPr lang="en-US"/>
           </a:p>
         </p:txBody>
       </p:sp>
       <p:pic>
         <p:nvPicPr>
           <p:cNvPr id="146" name="Google Shape;146;p8"/>
-          <p:cNvPicPr preferRelativeResize="0"/>
+          <p:cNvPicPr preferRelativeResize="0">
+            <a:picLocks noGrp="1"/>
+          </p:cNvPicPr>
           <p:nvPr>
             <p:ph type="body" idx="1"/>
           </p:nvPr>
         </p:nvPicPr>
         <p:blipFill rotWithShape="1">
-          <a:blip r:embed="rId1"/>
+          <a:blip r:embed="rId3"/>
           <a:srcRect/>
           <a:stretch>
             <a:fillRect/>
@@ -17643,7 +17654,7 @@
   <p:cSld>
     <p:spTree>
       <p:nvGrpSpPr>
-        <p:cNvPr id="150" name="Shape 150"/>
+        <p:cNvPr id="1" name="Shape 150"/>
         <p:cNvGrpSpPr/>
         <p:nvPr/>
       </p:nvGrpSpPr>
@@ -17658,7 +17669,9 @@
       <p:sp>
         <p:nvSpPr>
           <p:cNvPr id="151" name="Google Shape;151;p9"/>
-          <p:cNvSpPr txBox="1"/>
+          <p:cNvSpPr txBox="1">
+            <a:spLocks noGrp="1"/>
+          </p:cNvSpPr>
           <p:nvPr>
             <p:ph type="title"/>
           </p:nvPr>
@@ -17703,7 +17716,6 @@
               <a:rPr lang="en-US"/>
               <a:t>Sınıflandırılmış Jenerikler</a:t>
             </a:r>
-            <a:endParaRPr lang="en-US"/>
           </a:p>
         </p:txBody>
       </p:sp>
@@ -17714,7 +17726,7 @@
           <p:nvPr/>
         </p:nvPicPr>
         <p:blipFill rotWithShape="1">
-          <a:blip r:embed="rId1"/>
+          <a:blip r:embed="rId3"/>
           <a:srcRect/>
           <a:stretch>
             <a:fillRect/>
@@ -17737,7 +17749,9 @@
       <p:sp>
         <p:nvSpPr>
           <p:cNvPr id="153" name="Google Shape;153;p9"/>
-          <p:cNvSpPr txBox="1"/>
+          <p:cNvSpPr txBox="1">
+            <a:spLocks noGrp="1"/>
+          </p:cNvSpPr>
           <p:nvPr>
             <p:ph type="body" idx="2"/>
           </p:nvPr>
@@ -18066,6 +18080,8 @@
       </a:bgFillStyleLst>
     </a:fmtScheme>
   </a:themeElements>
+  <a:objectDefaults/>
+  <a:extraClrSchemeLst/>
   <a:extLst>
     <a:ext uri="{05A4C25C-085E-4340-85A3-A5531E510DB2}">
       <thm15:themeFamily xmlns:thm15="http://schemas.microsoft.com/office/thememl/2012/main" name="Office Theme" id="{62F939B6-93AF-4DB8-9C6B-D6C7DFDC589F}" vid="{4A3C46E8-61CC-4603-A589-7422A47A8E4A}"/>
@@ -18350,6 +18366,8 @@
       </a:bgFillStyleLst>
     </a:fmtScheme>
   </a:themeElements>
+  <a:objectDefaults/>
+  <a:extraClrSchemeLst/>
   <a:extLst>
     <a:ext uri="{05A4C25C-085E-4340-85A3-A5531E510DB2}">
       <thm15:themeFamily xmlns:thm15="http://schemas.microsoft.com/office/thememl/2012/main" name="Office Theme" id="{62F939B6-93AF-4DB8-9C6B-D6C7DFDC589F}" vid="{4A3C46E8-61CC-4603-A589-7422A47A8E4A}"/>
